--- a/PASS_11/PASS_11.pptx
+++ b/PASS_11/PASS_11.pptx
@@ -5,16 +5,19 @@
     <p:sldMasterId id="2147483660" r:id="rId1"/>
   </p:sldMasterIdLst>
   <p:notesMasterIdLst>
-    <p:notesMasterId r:id="rId9"/>
+    <p:notesMasterId r:id="rId12"/>
   </p:notesMasterIdLst>
   <p:sldIdLst>
     <p:sldId id="256" r:id="rId2"/>
     <p:sldId id="459" r:id="rId3"/>
     <p:sldId id="304" r:id="rId4"/>
-    <p:sldId id="321" r:id="rId5"/>
-    <p:sldId id="341" r:id="rId6"/>
-    <p:sldId id="325" r:id="rId7"/>
-    <p:sldId id="460" r:id="rId8"/>
+    <p:sldId id="382" r:id="rId5"/>
+    <p:sldId id="383" r:id="rId6"/>
+    <p:sldId id="384" r:id="rId7"/>
+    <p:sldId id="286" r:id="rId8"/>
+    <p:sldId id="341" r:id="rId9"/>
+    <p:sldId id="325" r:id="rId10"/>
+    <p:sldId id="460" r:id="rId11"/>
   </p:sldIdLst>
   <p:sldSz cx="9906000" cy="6858000" type="A4"/>
   <p:notesSz cx="6858000" cy="9144000"/>
@@ -599,7 +602,11 @@
           <a:bodyPr/>
           <a:lstStyle/>
           <a:p>
-            <a:endParaRPr lang="en-US"/>
+            <a:r>
+              <a:rPr lang="en-US" dirty="0" err="1"/>
+              <a:t>Reference_example.cpp</a:t>
+            </a:r>
+            <a:endParaRPr lang="en-US" dirty="0"/>
           </a:p>
         </p:txBody>
       </p:sp>
@@ -629,7 +636,7 @@
     </p:spTree>
     <p:extLst>
       <p:ext uri="{BB962C8B-B14F-4D97-AF65-F5344CB8AC3E}">
-        <p14:creationId xmlns:p14="http://schemas.microsoft.com/office/powerpoint/2010/main" val="1749686323"/>
+        <p14:creationId xmlns:p14="http://schemas.microsoft.com/office/powerpoint/2010/main" val="4203619650"/>
       </p:ext>
     </p:extLst>
   </p:cSld>
@@ -684,9 +691,10 @@
           <a:lstStyle/>
           <a:p>
             <a:r>
-              <a:rPr lang="en-US" dirty="0"/>
-              <a:t>Functions2_example.cpp</a:t>
-            </a:r>
+              <a:rPr lang="en-US" dirty="0" err="1"/>
+              <a:t>Reference_example.cpp</a:t>
+            </a:r>
+            <a:endParaRPr lang="en-US" dirty="0"/>
           </a:p>
         </p:txBody>
       </p:sp>
@@ -716,7 +724,7 @@
     </p:spTree>
     <p:extLst>
       <p:ext uri="{BB962C8B-B14F-4D97-AF65-F5344CB8AC3E}">
-        <p14:creationId xmlns:p14="http://schemas.microsoft.com/office/powerpoint/2010/main" val="2853568490"/>
+        <p14:creationId xmlns:p14="http://schemas.microsoft.com/office/powerpoint/2010/main" val="3960905585"/>
       </p:ext>
     </p:extLst>
   </p:cSld>
@@ -771,9 +779,10 @@
           <a:lstStyle/>
           <a:p>
             <a:r>
-              <a:rPr lang="en-US"/>
-              <a:t>Functions2_example.cpp</a:t>
-            </a:r>
+              <a:rPr lang="en-US" dirty="0" err="1"/>
+              <a:t>Reference_example.cpp</a:t>
+            </a:r>
+            <a:endParaRPr lang="en-US" dirty="0"/>
           </a:p>
         </p:txBody>
       </p:sp>
@@ -803,7 +812,7 @@
     </p:spTree>
     <p:extLst>
       <p:ext uri="{BB962C8B-B14F-4D97-AF65-F5344CB8AC3E}">
-        <p14:creationId xmlns:p14="http://schemas.microsoft.com/office/powerpoint/2010/main" val="377423413"/>
+        <p14:creationId xmlns:p14="http://schemas.microsoft.com/office/powerpoint/2010/main" val="1702242100"/>
       </p:ext>
     </p:extLst>
   </p:cSld>
@@ -858,9 +867,10 @@
           <a:lstStyle/>
           <a:p>
             <a:r>
-              <a:rPr lang="en-US" dirty="0"/>
-              <a:t>Functions2_example.cpp</a:t>
-            </a:r>
+              <a:rPr lang="en-US" dirty="0" err="1"/>
+              <a:t>Pointer_example.cpp</a:t>
+            </a:r>
+            <a:endParaRPr lang="en-US" dirty="0"/>
           </a:p>
         </p:txBody>
       </p:sp>
@@ -882,6 +892,267 @@
             <a:fld id="{8B069B94-DB32-4E41-903B-97E4B5309801}" type="slidenum">
               <a:rPr lang="en-US" smtClean="0"/>
               <a:t>7</a:t>
+            </a:fld>
+            <a:endParaRPr lang="en-US"/>
+          </a:p>
+        </p:txBody>
+      </p:sp>
+    </p:spTree>
+    <p:extLst>
+      <p:ext uri="{BB962C8B-B14F-4D97-AF65-F5344CB8AC3E}">
+        <p14:creationId xmlns:p14="http://schemas.microsoft.com/office/powerpoint/2010/main" val="2279884171"/>
+      </p:ext>
+    </p:extLst>
+  </p:cSld>
+  <p:clrMapOvr>
+    <a:masterClrMapping/>
+  </p:clrMapOvr>
+</p:notes>
+</file>
+
+<file path=ppt/notesSlides/notesSlide6.xml><?xml version="1.0" encoding="utf-8"?>
+<p:notes xmlns:a="http://schemas.openxmlformats.org/drawingml/2006/main" xmlns:r="http://schemas.openxmlformats.org/officeDocument/2006/relationships" xmlns:p="http://schemas.openxmlformats.org/presentationml/2006/main">
+  <p:cSld>
+    <p:spTree>
+      <p:nvGrpSpPr>
+        <p:cNvPr id="1" name=""/>
+        <p:cNvGrpSpPr/>
+        <p:nvPr/>
+      </p:nvGrpSpPr>
+      <p:grpSpPr>
+        <a:xfrm>
+          <a:off x="0" y="0"/>
+          <a:ext cx="0" cy="0"/>
+          <a:chOff x="0" y="0"/>
+          <a:chExt cx="0" cy="0"/>
+        </a:xfrm>
+      </p:grpSpPr>
+      <p:sp>
+        <p:nvSpPr>
+          <p:cNvPr id="2" name="Slide Image Placeholder 1"/>
+          <p:cNvSpPr>
+            <a:spLocks noGrp="1" noRot="1" noChangeAspect="1"/>
+          </p:cNvSpPr>
+          <p:nvPr>
+            <p:ph type="sldImg"/>
+          </p:nvPr>
+        </p:nvSpPr>
+        <p:spPr/>
+      </p:sp>
+      <p:sp>
+        <p:nvSpPr>
+          <p:cNvPr id="3" name="Notes Placeholder 2"/>
+          <p:cNvSpPr>
+            <a:spLocks noGrp="1"/>
+          </p:cNvSpPr>
+          <p:nvPr>
+            <p:ph type="body" idx="1"/>
+          </p:nvPr>
+        </p:nvSpPr>
+        <p:spPr/>
+        <p:txBody>
+          <a:bodyPr/>
+          <a:lstStyle/>
+          <a:p>
+            <a:r>
+              <a:rPr lang="en-US" dirty="0"/>
+              <a:t>Functions2_example.cpp</a:t>
+            </a:r>
+          </a:p>
+        </p:txBody>
+      </p:sp>
+      <p:sp>
+        <p:nvSpPr>
+          <p:cNvPr id="4" name="Slide Number Placeholder 3"/>
+          <p:cNvSpPr>
+            <a:spLocks noGrp="1"/>
+          </p:cNvSpPr>
+          <p:nvPr>
+            <p:ph type="sldNum" sz="quarter" idx="5"/>
+          </p:nvPr>
+        </p:nvSpPr>
+        <p:spPr/>
+        <p:txBody>
+          <a:bodyPr/>
+          <a:lstStyle/>
+          <a:p>
+            <a:fld id="{8B069B94-DB32-4E41-903B-97E4B5309801}" type="slidenum">
+              <a:rPr lang="en-US" smtClean="0"/>
+              <a:t>8</a:t>
+            </a:fld>
+            <a:endParaRPr lang="en-US"/>
+          </a:p>
+        </p:txBody>
+      </p:sp>
+    </p:spTree>
+    <p:extLst>
+      <p:ext uri="{BB962C8B-B14F-4D97-AF65-F5344CB8AC3E}">
+        <p14:creationId xmlns:p14="http://schemas.microsoft.com/office/powerpoint/2010/main" val="2853568490"/>
+      </p:ext>
+    </p:extLst>
+  </p:cSld>
+  <p:clrMapOvr>
+    <a:masterClrMapping/>
+  </p:clrMapOvr>
+</p:notes>
+</file>
+
+<file path=ppt/notesSlides/notesSlide7.xml><?xml version="1.0" encoding="utf-8"?>
+<p:notes xmlns:a="http://schemas.openxmlformats.org/drawingml/2006/main" xmlns:r="http://schemas.openxmlformats.org/officeDocument/2006/relationships" xmlns:p="http://schemas.openxmlformats.org/presentationml/2006/main">
+  <p:cSld>
+    <p:spTree>
+      <p:nvGrpSpPr>
+        <p:cNvPr id="1" name=""/>
+        <p:cNvGrpSpPr/>
+        <p:nvPr/>
+      </p:nvGrpSpPr>
+      <p:grpSpPr>
+        <a:xfrm>
+          <a:off x="0" y="0"/>
+          <a:ext cx="0" cy="0"/>
+          <a:chOff x="0" y="0"/>
+          <a:chExt cx="0" cy="0"/>
+        </a:xfrm>
+      </p:grpSpPr>
+      <p:sp>
+        <p:nvSpPr>
+          <p:cNvPr id="2" name="Slide Image Placeholder 1"/>
+          <p:cNvSpPr>
+            <a:spLocks noGrp="1" noRot="1" noChangeAspect="1"/>
+          </p:cNvSpPr>
+          <p:nvPr>
+            <p:ph type="sldImg"/>
+          </p:nvPr>
+        </p:nvSpPr>
+        <p:spPr/>
+      </p:sp>
+      <p:sp>
+        <p:nvSpPr>
+          <p:cNvPr id="3" name="Notes Placeholder 2"/>
+          <p:cNvSpPr>
+            <a:spLocks noGrp="1"/>
+          </p:cNvSpPr>
+          <p:nvPr>
+            <p:ph type="body" idx="1"/>
+          </p:nvPr>
+        </p:nvSpPr>
+        <p:spPr/>
+        <p:txBody>
+          <a:bodyPr/>
+          <a:lstStyle/>
+          <a:p>
+            <a:r>
+              <a:rPr lang="en-US"/>
+              <a:t>Functions2_example.cpp</a:t>
+            </a:r>
+          </a:p>
+        </p:txBody>
+      </p:sp>
+      <p:sp>
+        <p:nvSpPr>
+          <p:cNvPr id="4" name="Slide Number Placeholder 3"/>
+          <p:cNvSpPr>
+            <a:spLocks noGrp="1"/>
+          </p:cNvSpPr>
+          <p:nvPr>
+            <p:ph type="sldNum" sz="quarter" idx="5"/>
+          </p:nvPr>
+        </p:nvSpPr>
+        <p:spPr/>
+        <p:txBody>
+          <a:bodyPr/>
+          <a:lstStyle/>
+          <a:p>
+            <a:fld id="{8B069B94-DB32-4E41-903B-97E4B5309801}" type="slidenum">
+              <a:rPr lang="en-US" smtClean="0"/>
+              <a:t>9</a:t>
+            </a:fld>
+            <a:endParaRPr lang="en-US"/>
+          </a:p>
+        </p:txBody>
+      </p:sp>
+    </p:spTree>
+    <p:extLst>
+      <p:ext uri="{BB962C8B-B14F-4D97-AF65-F5344CB8AC3E}">
+        <p14:creationId xmlns:p14="http://schemas.microsoft.com/office/powerpoint/2010/main" val="377423413"/>
+      </p:ext>
+    </p:extLst>
+  </p:cSld>
+  <p:clrMapOvr>
+    <a:masterClrMapping/>
+  </p:clrMapOvr>
+</p:notes>
+</file>
+
+<file path=ppt/notesSlides/notesSlide8.xml><?xml version="1.0" encoding="utf-8"?>
+<p:notes xmlns:a="http://schemas.openxmlformats.org/drawingml/2006/main" xmlns:r="http://schemas.openxmlformats.org/officeDocument/2006/relationships" xmlns:p="http://schemas.openxmlformats.org/presentationml/2006/main">
+  <p:cSld>
+    <p:spTree>
+      <p:nvGrpSpPr>
+        <p:cNvPr id="1" name=""/>
+        <p:cNvGrpSpPr/>
+        <p:nvPr/>
+      </p:nvGrpSpPr>
+      <p:grpSpPr>
+        <a:xfrm>
+          <a:off x="0" y="0"/>
+          <a:ext cx="0" cy="0"/>
+          <a:chOff x="0" y="0"/>
+          <a:chExt cx="0" cy="0"/>
+        </a:xfrm>
+      </p:grpSpPr>
+      <p:sp>
+        <p:nvSpPr>
+          <p:cNvPr id="2" name="Slide Image Placeholder 1"/>
+          <p:cNvSpPr>
+            <a:spLocks noGrp="1" noRot="1" noChangeAspect="1"/>
+          </p:cNvSpPr>
+          <p:nvPr>
+            <p:ph type="sldImg"/>
+          </p:nvPr>
+        </p:nvSpPr>
+        <p:spPr/>
+      </p:sp>
+      <p:sp>
+        <p:nvSpPr>
+          <p:cNvPr id="3" name="Notes Placeholder 2"/>
+          <p:cNvSpPr>
+            <a:spLocks noGrp="1"/>
+          </p:cNvSpPr>
+          <p:nvPr>
+            <p:ph type="body" idx="1"/>
+          </p:nvPr>
+        </p:nvSpPr>
+        <p:spPr/>
+        <p:txBody>
+          <a:bodyPr/>
+          <a:lstStyle/>
+          <a:p>
+            <a:r>
+              <a:rPr lang="en-US" dirty="0"/>
+              <a:t>Functions2_example.cpp</a:t>
+            </a:r>
+          </a:p>
+        </p:txBody>
+      </p:sp>
+      <p:sp>
+        <p:nvSpPr>
+          <p:cNvPr id="4" name="Slide Number Placeholder 3"/>
+          <p:cNvSpPr>
+            <a:spLocks noGrp="1"/>
+          </p:cNvSpPr>
+          <p:nvPr>
+            <p:ph type="sldNum" sz="quarter" idx="5"/>
+          </p:nvPr>
+        </p:nvSpPr>
+        <p:spPr/>
+        <p:txBody>
+          <a:bodyPr/>
+          <a:lstStyle/>
+          <a:p>
+            <a:fld id="{8B069B94-DB32-4E41-903B-97E4B5309801}" type="slidenum">
+              <a:rPr lang="en-US" smtClean="0"/>
+              <a:t>10</a:t>
             </a:fld>
             <a:endParaRPr lang="en-US"/>
           </a:p>
@@ -3942,7 +4213,7 @@
                 <a:ea typeface="Menlo" panose="020B0609030804020204" pitchFamily="49" charset="0"/>
                 <a:cs typeface="Menlo" panose="020B0609030804020204" pitchFamily="49" charset="0"/>
               </a:rPr>
-              <a:t>Session 11 </a:t>
+              <a:t>Session 11</a:t>
             </a:r>
           </a:p>
         </p:txBody>
@@ -3961,8 +4232,8 @@
         </p:nvSpPr>
         <p:spPr>
           <a:xfrm>
-            <a:off x="3759404" y="4561704"/>
-            <a:ext cx="2387192" cy="461665"/>
+            <a:off x="4544073" y="4561704"/>
+            <a:ext cx="817853" cy="461665"/>
           </a:xfrm>
           <a:prstGeom prst="rect">
             <a:avLst/>
@@ -3984,7 +4255,7 @@
                 </a:solidFill>
                 <a:latin typeface="Helvetica" pitchFamily="2" charset="0"/>
               </a:rPr>
-              <a:t>Special Edition</a:t>
+              <a:t>beta</a:t>
             </a:r>
           </a:p>
         </p:txBody>
@@ -4179,6 +4450,304 @@
     <p:extLst>
       <p:ext uri="{BB962C8B-B14F-4D97-AF65-F5344CB8AC3E}">
         <p14:creationId xmlns:p14="http://schemas.microsoft.com/office/powerpoint/2010/main" val="3897429390"/>
+      </p:ext>
+    </p:extLst>
+  </p:cSld>
+  <p:clrMapOvr>
+    <a:masterClrMapping/>
+  </p:clrMapOvr>
+  <mc:AlternateContent xmlns:mc="http://schemas.openxmlformats.org/markup-compatibility/2006" xmlns:p14="http://schemas.microsoft.com/office/powerpoint/2010/main">
+    <mc:Choice Requires="p14">
+      <p:transition spd="med" p14:dur="700">
+        <p:fade/>
+      </p:transition>
+    </mc:Choice>
+    <mc:Fallback xmlns="">
+      <p:transition spd="med">
+        <p:fade/>
+      </p:transition>
+    </mc:Fallback>
+  </mc:AlternateContent>
+</p:sld>
+</file>
+
+<file path=ppt/slides/slide10.xml><?xml version="1.0" encoding="utf-8"?>
+<p:sld xmlns:a="http://schemas.openxmlformats.org/drawingml/2006/main" xmlns:r="http://schemas.openxmlformats.org/officeDocument/2006/relationships" xmlns:p="http://schemas.openxmlformats.org/presentationml/2006/main">
+  <p:cSld>
+    <p:spTree>
+      <p:nvGrpSpPr>
+        <p:cNvPr id="1" name=""/>
+        <p:cNvGrpSpPr/>
+        <p:nvPr/>
+      </p:nvGrpSpPr>
+      <p:grpSpPr>
+        <a:xfrm>
+          <a:off x="0" y="0"/>
+          <a:ext cx="0" cy="0"/>
+          <a:chOff x="0" y="0"/>
+          <a:chExt cx="0" cy="0"/>
+        </a:xfrm>
+      </p:grpSpPr>
+      <p:pic>
+        <p:nvPicPr>
+          <p:cNvPr id="8" name="Picture 7" descr="A picture containing table, ottoman, room&#10;&#10;Description automatically generated">
+            <a:extLst>
+              <a:ext uri="{FF2B5EF4-FFF2-40B4-BE49-F238E27FC236}">
+                <a16:creationId xmlns:a16="http://schemas.microsoft.com/office/drawing/2014/main" id="{3C1DEE67-D349-DE4C-AECF-2F351DD4EBEF}"/>
+              </a:ext>
+            </a:extLst>
+          </p:cNvPr>
+          <p:cNvPicPr>
+            <a:picLocks noChangeAspect="1"/>
+          </p:cNvPicPr>
+          <p:nvPr/>
+        </p:nvPicPr>
+        <p:blipFill>
+          <a:blip r:embed="rId3">
+            <a:extLst>
+              <a:ext uri="{BEBA8EAE-BF5A-486C-A8C5-ECC9F3942E4B}">
+                <a14:imgProps xmlns:a14="http://schemas.microsoft.com/office/drawing/2010/main">
+                  <a14:imgLayer r:embed="rId4">
+                    <a14:imgEffect>
+                      <a14:backgroundRemoval t="9714" b="90857" l="9722" r="89931">
+                        <a14:foregroundMark x1="45833" y1="9714" x2="54514" y2="10286"/>
+                        <a14:foregroundMark x1="45833" y1="90857" x2="45833" y2="90857"/>
+                      </a14:backgroundRemoval>
+                    </a14:imgEffect>
+                  </a14:imgLayer>
+                </a14:imgProps>
+              </a:ext>
+            </a:extLst>
+          </a:blip>
+          <a:stretch>
+            <a:fillRect/>
+          </a:stretch>
+        </p:blipFill>
+        <p:spPr>
+          <a:xfrm>
+            <a:off x="312225" y="354719"/>
+            <a:ext cx="1082938" cy="654276"/>
+          </a:xfrm>
+          <a:prstGeom prst="rect">
+            <a:avLst/>
+          </a:prstGeom>
+        </p:spPr>
+      </p:pic>
+      <p:sp>
+        <p:nvSpPr>
+          <p:cNvPr id="10" name="TextBox 9">
+            <a:extLst>
+              <a:ext uri="{FF2B5EF4-FFF2-40B4-BE49-F238E27FC236}">
+                <a16:creationId xmlns:a16="http://schemas.microsoft.com/office/drawing/2014/main" id="{68DA3702-0EAB-CD4B-9BEF-652F270685AC}"/>
+              </a:ext>
+            </a:extLst>
+          </p:cNvPr>
+          <p:cNvSpPr txBox="1"/>
+          <p:nvPr/>
+        </p:nvSpPr>
+        <p:spPr>
+          <a:xfrm>
+            <a:off x="1395163" y="497191"/>
+            <a:ext cx="825867" cy="369332"/>
+          </a:xfrm>
+          <a:prstGeom prst="rect">
+            <a:avLst/>
+          </a:prstGeom>
+          <a:noFill/>
+        </p:spPr>
+        <p:txBody>
+          <a:bodyPr wrap="none" rtlCol="0">
+            <a:spAutoFit/>
+          </a:bodyPr>
+          <a:lstStyle/>
+          <a:p>
+            <a:r>
+              <a:rPr lang="en-US" b="1" dirty="0">
+                <a:solidFill>
+                  <a:schemeClr val="bg1"/>
+                </a:solidFill>
+                <a:latin typeface="Helvetica" pitchFamily="2" charset="0"/>
+              </a:rPr>
+              <a:t>Pin It!</a:t>
+            </a:r>
+          </a:p>
+        </p:txBody>
+      </p:sp>
+      <p:sp>
+        <p:nvSpPr>
+          <p:cNvPr id="27" name="Slide Number Placeholder 26">
+            <a:extLst>
+              <a:ext uri="{FF2B5EF4-FFF2-40B4-BE49-F238E27FC236}">
+                <a16:creationId xmlns:a16="http://schemas.microsoft.com/office/drawing/2014/main" id="{2B039515-27A6-A843-AABB-49ED21448284}"/>
+              </a:ext>
+            </a:extLst>
+          </p:cNvPr>
+          <p:cNvSpPr>
+            <a:spLocks noGrp="1"/>
+          </p:cNvSpPr>
+          <p:nvPr>
+            <p:ph type="sldNum" sz="quarter" idx="12"/>
+          </p:nvPr>
+        </p:nvSpPr>
+        <p:spPr/>
+        <p:txBody>
+          <a:bodyPr/>
+          <a:lstStyle/>
+          <a:p>
+            <a:fld id="{A711AD12-6CFD-0648-8849-664A10101BB9}" type="slidenum">
+              <a:rPr lang="en-US" smtClean="0"/>
+              <a:t>10</a:t>
+            </a:fld>
+            <a:endParaRPr lang="en-US" dirty="0"/>
+          </a:p>
+        </p:txBody>
+      </p:sp>
+      <p:sp>
+        <p:nvSpPr>
+          <p:cNvPr id="2" name="Footer Placeholder 1">
+            <a:extLst>
+              <a:ext uri="{FF2B5EF4-FFF2-40B4-BE49-F238E27FC236}">
+                <a16:creationId xmlns:a16="http://schemas.microsoft.com/office/drawing/2014/main" id="{662F6F7E-0DB4-D047-83B8-61AC474927F5}"/>
+              </a:ext>
+            </a:extLst>
+          </p:cNvPr>
+          <p:cNvSpPr>
+            <a:spLocks noGrp="1"/>
+          </p:cNvSpPr>
+          <p:nvPr>
+            <p:ph type="ftr" sz="quarter" idx="11"/>
+          </p:nvPr>
+        </p:nvSpPr>
+        <p:spPr/>
+        <p:txBody>
+          <a:bodyPr/>
+          <a:lstStyle/>
+          <a:p>
+            <a:r>
+              <a:rPr lang="en-US"/>
+              <a:t>Copyright © 2020 Glenn Lum. All rights reserved.</a:t>
+            </a:r>
+          </a:p>
+        </p:txBody>
+      </p:sp>
+      <p:grpSp>
+        <p:nvGrpSpPr>
+          <p:cNvPr id="13" name="Group 12">
+            <a:extLst>
+              <a:ext uri="{FF2B5EF4-FFF2-40B4-BE49-F238E27FC236}">
+                <a16:creationId xmlns:a16="http://schemas.microsoft.com/office/drawing/2014/main" id="{B43FDDAC-54AF-4E43-BFFD-2A9200D423F6}"/>
+              </a:ext>
+            </a:extLst>
+          </p:cNvPr>
+          <p:cNvGrpSpPr/>
+          <p:nvPr/>
+        </p:nvGrpSpPr>
+        <p:grpSpPr>
+          <a:xfrm>
+            <a:off x="3048541" y="1013147"/>
+            <a:ext cx="3808917" cy="4831705"/>
+            <a:chOff x="3048541" y="1212857"/>
+            <a:chExt cx="3808917" cy="4831705"/>
+          </a:xfrm>
+        </p:grpSpPr>
+        <p:pic>
+          <p:nvPicPr>
+            <p:cNvPr id="5" name="Picture 4" descr="A screenshot of a cell phone&#10;&#10;Description automatically generated">
+              <a:extLst>
+                <a:ext uri="{FF2B5EF4-FFF2-40B4-BE49-F238E27FC236}">
+                  <a16:creationId xmlns:a16="http://schemas.microsoft.com/office/drawing/2014/main" id="{9039B92A-5591-AE4B-B8C9-57E424AF4CF5}"/>
+                </a:ext>
+              </a:extLst>
+            </p:cNvPr>
+            <p:cNvPicPr>
+              <a:picLocks noChangeAspect="1"/>
+            </p:cNvPicPr>
+            <p:nvPr/>
+          </p:nvPicPr>
+          <p:blipFill>
+            <a:blip r:embed="rId5">
+              <a:extLst>
+                <a:ext uri="{BEBA8EAE-BF5A-486C-A8C5-ECC9F3942E4B}">
+                  <a14:imgProps xmlns:a14="http://schemas.microsoft.com/office/drawing/2010/main">
+                    <a14:imgLayer r:embed="rId6">
+                      <a14:imgEffect>
+                        <a14:saturation sat="66000"/>
+                      </a14:imgEffect>
+                    </a14:imgLayer>
+                  </a14:imgProps>
+                </a:ext>
+              </a:extLst>
+            </a:blip>
+            <a:stretch>
+              <a:fillRect/>
+            </a:stretch>
+          </p:blipFill>
+          <p:spPr>
+            <a:xfrm>
+              <a:off x="3281363" y="1212857"/>
+              <a:ext cx="3281631" cy="4073749"/>
+            </a:xfrm>
+            <a:prstGeom prst="rect">
+              <a:avLst/>
+            </a:prstGeom>
+            <a:effectLst>
+              <a:outerShdw blurRad="50800" dist="38100" dir="2700000" algn="tl" rotWithShape="0">
+                <a:prstClr val="black">
+                  <a:alpha val="40000"/>
+                </a:prstClr>
+              </a:outerShdw>
+            </a:effectLst>
+          </p:spPr>
+        </p:pic>
+        <p:sp>
+          <p:nvSpPr>
+            <p:cNvPr id="14" name="TextBox 13">
+              <a:extLst>
+                <a:ext uri="{FF2B5EF4-FFF2-40B4-BE49-F238E27FC236}">
+                  <a16:creationId xmlns:a16="http://schemas.microsoft.com/office/drawing/2014/main" id="{F94EEDCB-7978-ED45-9479-AAE3BCED678C}"/>
+                </a:ext>
+              </a:extLst>
+            </p:cNvPr>
+            <p:cNvSpPr txBox="1"/>
+            <p:nvPr/>
+          </p:nvSpPr>
+          <p:spPr>
+            <a:xfrm>
+              <a:off x="3048541" y="5582897"/>
+              <a:ext cx="3808917" cy="461665"/>
+            </a:xfrm>
+            <a:prstGeom prst="rect">
+              <a:avLst/>
+            </a:prstGeom>
+          </p:spPr>
+          <p:txBody>
+            <a:bodyPr wrap="square" rtlCol="0">
+              <a:spAutoFit/>
+            </a:bodyPr>
+            <a:lstStyle/>
+            <a:p>
+              <a:pPr algn="ctr"/>
+              <a:r>
+                <a:rPr lang="en-SG" sz="1200" i="1" dirty="0">
+                  <a:solidFill>
+                    <a:schemeClr val="bg1"/>
+                  </a:solidFill>
+                </a:rPr>
+                <a:t>An enamel pin badge to remind us that, despite what we've been taught, no one really knows all the answers.</a:t>
+              </a:r>
+              <a:endParaRPr lang="en-SG" sz="1200" b="1" dirty="0">
+                <a:solidFill>
+                  <a:schemeClr val="bg1"/>
+                </a:solidFill>
+              </a:endParaRPr>
+            </a:p>
+          </p:txBody>
+        </p:sp>
+      </p:grpSp>
+    </p:spTree>
+    <p:extLst>
+      <p:ext uri="{BB962C8B-B14F-4D97-AF65-F5344CB8AC3E}">
+        <p14:creationId xmlns:p14="http://schemas.microsoft.com/office/powerpoint/2010/main" val="4028074283"/>
       </p:ext>
     </p:extLst>
   </p:cSld>
@@ -4797,7 +5366,7 @@
         <p:spPr>
           <a:xfrm>
             <a:off x="1395163" y="1169363"/>
-            <a:ext cx="5920037" cy="2123658"/>
+            <a:ext cx="5920037" cy="2492990"/>
           </a:xfrm>
           <a:prstGeom prst="rect">
             <a:avLst/>
@@ -4829,7 +5398,7 @@
                   <a:schemeClr val="bg1"/>
                 </a:solidFill>
               </a:rPr>
-              <a:t>New features in C++ 11</a:t>
+              <a:t>Additional features in C++ </a:t>
             </a:r>
           </a:p>
           <a:p>
@@ -4843,7 +5412,21 @@
                   <a:schemeClr val="bg1"/>
                 </a:solidFill>
               </a:rPr>
-              <a:t>ICT283 &amp; Beyond</a:t>
+              <a:t>Smart Pointers</a:t>
+            </a:r>
+          </a:p>
+          <a:p>
+            <a:pPr marL="342900" indent="-342900">
+              <a:buFont typeface="Arial" panose="020B0604020202020204" pitchFamily="34" charset="0"/>
+              <a:buChar char="•"/>
+            </a:pPr>
+            <a:r>
+              <a:rPr lang="en-SG" sz="2400" dirty="0">
+                <a:solidFill>
+                  <a:schemeClr val="bg1"/>
+                </a:solidFill>
+              </a:rPr>
+              <a:t>Lambdas</a:t>
             </a:r>
           </a:p>
           <a:p>
@@ -5026,67 +5609,10 @@
       </p:pic>
       <p:sp>
         <p:nvSpPr>
-          <p:cNvPr id="27" name="Slide Number Placeholder 26">
+          <p:cNvPr id="10" name="TextBox 9">
             <a:extLst>
               <a:ext uri="{FF2B5EF4-FFF2-40B4-BE49-F238E27FC236}">
-                <a16:creationId xmlns:a16="http://schemas.microsoft.com/office/drawing/2014/main" id="{2B039515-27A6-A843-AABB-49ED21448284}"/>
-              </a:ext>
-            </a:extLst>
-          </p:cNvPr>
-          <p:cNvSpPr>
-            <a:spLocks noGrp="1"/>
-          </p:cNvSpPr>
-          <p:nvPr>
-            <p:ph type="sldNum" sz="quarter" idx="12"/>
-          </p:nvPr>
-        </p:nvSpPr>
-        <p:spPr/>
-        <p:txBody>
-          <a:bodyPr/>
-          <a:lstStyle/>
-          <a:p>
-            <a:fld id="{A711AD12-6CFD-0648-8849-664A10101BB9}" type="slidenum">
-              <a:rPr lang="en-US" smtClean="0"/>
-              <a:t>4</a:t>
-            </a:fld>
-            <a:endParaRPr lang="en-US"/>
-          </a:p>
-        </p:txBody>
-      </p:sp>
-      <p:sp>
-        <p:nvSpPr>
-          <p:cNvPr id="2" name="Footer Placeholder 1">
-            <a:extLst>
-              <a:ext uri="{FF2B5EF4-FFF2-40B4-BE49-F238E27FC236}">
-                <a16:creationId xmlns:a16="http://schemas.microsoft.com/office/drawing/2014/main" id="{1882004C-B2D6-0B46-AA57-5C6081744375}"/>
-              </a:ext>
-            </a:extLst>
-          </p:cNvPr>
-          <p:cNvSpPr>
-            <a:spLocks noGrp="1"/>
-          </p:cNvSpPr>
-          <p:nvPr>
-            <p:ph type="ftr" sz="quarter" idx="11"/>
-          </p:nvPr>
-        </p:nvSpPr>
-        <p:spPr/>
-        <p:txBody>
-          <a:bodyPr/>
-          <a:lstStyle/>
-          <a:p>
-            <a:r>
-              <a:rPr lang="en-US"/>
-              <a:t>Copyright © 2020 Glenn Lum. All rights reserved.</a:t>
-            </a:r>
-          </a:p>
-        </p:txBody>
-      </p:sp>
-      <p:sp>
-        <p:nvSpPr>
-          <p:cNvPr id="11" name="TextBox 10">
-            <a:extLst>
-              <a:ext uri="{FF2B5EF4-FFF2-40B4-BE49-F238E27FC236}">
-                <a16:creationId xmlns:a16="http://schemas.microsoft.com/office/drawing/2014/main" id="{FA23BE89-BEB5-2143-A319-70E55C67F5F9}"/>
+                <a16:creationId xmlns:a16="http://schemas.microsoft.com/office/drawing/2014/main" id="{68DA3702-0EAB-CD4B-9BEF-652F270685AC}"/>
               </a:ext>
             </a:extLst>
           </p:cNvPr>
@@ -5095,8 +5621,8 @@
         </p:nvSpPr>
         <p:spPr>
           <a:xfrm>
-            <a:off x="1395163" y="1169363"/>
-            <a:ext cx="5503178" cy="954107"/>
+            <a:off x="1395163" y="497191"/>
+            <a:ext cx="3724096" cy="369332"/>
           </a:xfrm>
           <a:prstGeom prst="rect">
             <a:avLst/>
@@ -5104,33 +5630,380 @@
           <a:noFill/>
         </p:spPr>
         <p:txBody>
-          <a:bodyPr wrap="square" rtlCol="0">
+          <a:bodyPr wrap="none" rtlCol="0">
             <a:spAutoFit/>
           </a:bodyPr>
           <a:lstStyle/>
           <a:p>
             <a:r>
-              <a:rPr lang="en-SG" sz="3600" b="1" dirty="0">
+              <a:rPr lang="en-US" b="1" dirty="0">
                 <a:solidFill>
                   <a:schemeClr val="bg1"/>
                 </a:solidFill>
-              </a:rPr>
-              <a:t>Recap</a:t>
-            </a:r>
-          </a:p>
-          <a:p>
-            <a:pPr marL="342900" indent="-342900">
-              <a:buFont typeface="Arial" panose="020B0604020202020204" pitchFamily="34" charset="0"/>
-              <a:buChar char="•"/>
-            </a:pPr>
-            <a:r>
-              <a:rPr lang="en-SG" sz="2000" dirty="0">
-                <a:solidFill>
-                  <a:schemeClr val="bg1"/>
-                </a:solidFill>
-              </a:rPr>
-              <a:t>-</a:t>
-            </a:r>
+                <a:latin typeface="Helvetica" pitchFamily="2" charset="0"/>
+              </a:rPr>
+              <a:t>Smart Pointers – Unique Pointer</a:t>
+            </a:r>
+          </a:p>
+        </p:txBody>
+      </p:sp>
+      <p:sp>
+        <p:nvSpPr>
+          <p:cNvPr id="3" name="Footer Placeholder 2">
+            <a:extLst>
+              <a:ext uri="{FF2B5EF4-FFF2-40B4-BE49-F238E27FC236}">
+                <a16:creationId xmlns:a16="http://schemas.microsoft.com/office/drawing/2014/main" id="{9A8D9C52-7ED6-BF40-A194-4ACC3C745BC2}"/>
+              </a:ext>
+            </a:extLst>
+          </p:cNvPr>
+          <p:cNvSpPr>
+            <a:spLocks noGrp="1"/>
+          </p:cNvSpPr>
+          <p:nvPr>
+            <p:ph type="ftr" sz="quarter" idx="11"/>
+          </p:nvPr>
+        </p:nvSpPr>
+        <p:spPr/>
+        <p:txBody>
+          <a:bodyPr/>
+          <a:lstStyle/>
+          <a:p>
+            <a:r>
+              <a:rPr lang="en-US"/>
+              <a:t>Copyright © 2020 Glenn Lum. All rights reserved.</a:t>
+            </a:r>
+          </a:p>
+        </p:txBody>
+      </p:sp>
+      <p:sp>
+        <p:nvSpPr>
+          <p:cNvPr id="4" name="Slide Number Placeholder 3">
+            <a:extLst>
+              <a:ext uri="{FF2B5EF4-FFF2-40B4-BE49-F238E27FC236}">
+                <a16:creationId xmlns:a16="http://schemas.microsoft.com/office/drawing/2014/main" id="{4E97DD15-EE8C-694A-9BAD-2F2F556B45A7}"/>
+              </a:ext>
+            </a:extLst>
+          </p:cNvPr>
+          <p:cNvSpPr>
+            <a:spLocks noGrp="1"/>
+          </p:cNvSpPr>
+          <p:nvPr>
+            <p:ph type="sldNum" sz="quarter" idx="12"/>
+          </p:nvPr>
+        </p:nvSpPr>
+        <p:spPr/>
+        <p:txBody>
+          <a:bodyPr/>
+          <a:lstStyle/>
+          <a:p>
+            <a:fld id="{A711AD12-6CFD-0648-8849-664A10101BB9}" type="slidenum">
+              <a:rPr lang="en-US" smtClean="0"/>
+              <a:t>4</a:t>
+            </a:fld>
+            <a:endParaRPr lang="en-US"/>
+          </a:p>
+        </p:txBody>
+      </p:sp>
+      <p:sp>
+        <p:nvSpPr>
+          <p:cNvPr id="5" name="Rectangle 4">
+            <a:extLst>
+              <a:ext uri="{FF2B5EF4-FFF2-40B4-BE49-F238E27FC236}">
+                <a16:creationId xmlns:a16="http://schemas.microsoft.com/office/drawing/2014/main" id="{549F43B9-F7E1-094C-A468-00DE66332474}"/>
+              </a:ext>
+            </a:extLst>
+          </p:cNvPr>
+          <p:cNvSpPr/>
+          <p:nvPr/>
+        </p:nvSpPr>
+        <p:spPr>
+          <a:xfrm>
+            <a:off x="4056845" y="1282388"/>
+            <a:ext cx="5299027" cy="4963865"/>
+          </a:xfrm>
+          <a:prstGeom prst="rect">
+            <a:avLst/>
+          </a:prstGeom>
+          <a:solidFill>
+            <a:srgbClr val="7030A0"/>
+          </a:solidFill>
+          <a:ln>
+            <a:solidFill>
+              <a:schemeClr val="bg1"/>
+            </a:solidFill>
+          </a:ln>
+        </p:spPr>
+        <p:style>
+          <a:lnRef idx="2">
+            <a:schemeClr val="accent1">
+              <a:shade val="50000"/>
+            </a:schemeClr>
+          </a:lnRef>
+          <a:fillRef idx="1">
+            <a:schemeClr val="accent1"/>
+          </a:fillRef>
+          <a:effectRef idx="0">
+            <a:schemeClr val="accent1"/>
+          </a:effectRef>
+          <a:fontRef idx="minor">
+            <a:schemeClr val="lt1"/>
+          </a:fontRef>
+        </p:style>
+        <p:txBody>
+          <a:bodyPr rtlCol="0" anchor="t" anchorCtr="0"/>
+          <a:lstStyle/>
+          <a:p>
+            <a:endParaRPr lang="en-US" dirty="0">
+              <a:latin typeface="Menlo"/>
+            </a:endParaRPr>
+          </a:p>
+          <a:p>
+            <a:r>
+              <a:rPr lang="en-SG" sz="1400" dirty="0">
+                <a:latin typeface="Menlo"/>
+              </a:rPr>
+              <a:t>    </a:t>
+            </a:r>
+            <a:r>
+              <a:rPr lang="en-SG" sz="1400" dirty="0" err="1">
+                <a:latin typeface="Menlo"/>
+              </a:rPr>
+              <a:t>unique_ptr</a:t>
+            </a:r>
+            <a:r>
+              <a:rPr lang="en-SG" sz="1400" dirty="0">
+                <a:latin typeface="Menlo"/>
+              </a:rPr>
+              <a:t>&lt;</a:t>
+            </a:r>
+            <a:r>
+              <a:rPr lang="en-SG" sz="1400" dirty="0" err="1">
+                <a:latin typeface="Menlo"/>
+              </a:rPr>
+              <a:t>int</a:t>
+            </a:r>
+            <a:r>
+              <a:rPr lang="en-SG" sz="1400" dirty="0">
+                <a:latin typeface="Menlo"/>
+              </a:rPr>
+              <a:t>&gt; </a:t>
+            </a:r>
+            <a:r>
+              <a:rPr lang="en-SG" sz="1400" dirty="0" err="1">
+                <a:latin typeface="Menlo"/>
+              </a:rPr>
+              <a:t>num</a:t>
+            </a:r>
+            <a:r>
+              <a:rPr lang="en-SG" sz="1400" dirty="0">
+                <a:latin typeface="Menlo"/>
+              </a:rPr>
+              <a:t> (new </a:t>
+            </a:r>
+            <a:r>
+              <a:rPr lang="en-SG" sz="1400" dirty="0" err="1">
+                <a:latin typeface="Menlo"/>
+              </a:rPr>
+              <a:t>int</a:t>
+            </a:r>
+            <a:r>
+              <a:rPr lang="en-SG" sz="1400" dirty="0">
+                <a:latin typeface="Menlo"/>
+              </a:rPr>
+              <a:t>(1));</a:t>
+            </a:r>
+          </a:p>
+          <a:p>
+            <a:endParaRPr lang="en-SG" sz="1400" dirty="0">
+              <a:latin typeface="Menlo"/>
+            </a:endParaRPr>
+          </a:p>
+          <a:p>
+            <a:r>
+              <a:rPr lang="en-SG" sz="1400" dirty="0">
+                <a:latin typeface="Menlo"/>
+              </a:rPr>
+              <a:t>    // do some work	</a:t>
+            </a:r>
+          </a:p>
+          <a:p>
+            <a:endParaRPr lang="en-SG" sz="1400" dirty="0">
+              <a:latin typeface="Menlo"/>
+            </a:endParaRPr>
+          </a:p>
+          <a:p>
+            <a:r>
+              <a:rPr lang="en-SG" sz="1400" dirty="0">
+                <a:latin typeface="Menlo"/>
+              </a:rPr>
+              <a:t>	.</a:t>
+            </a:r>
+          </a:p>
+          <a:p>
+            <a:r>
+              <a:rPr lang="en-SG" sz="1400" dirty="0">
+                <a:latin typeface="Menlo"/>
+              </a:rPr>
+              <a:t>	.</a:t>
+            </a:r>
+          </a:p>
+          <a:p>
+            <a:r>
+              <a:rPr lang="en-SG" sz="1400" dirty="0">
+                <a:latin typeface="Menlo"/>
+              </a:rPr>
+              <a:t>	.</a:t>
+            </a:r>
+          </a:p>
+          <a:p>
+            <a:endParaRPr lang="en-SG" sz="1400" dirty="0">
+              <a:latin typeface="Menlo"/>
+            </a:endParaRPr>
+          </a:p>
+          <a:p>
+            <a:r>
+              <a:rPr lang="en-SG" sz="1400" dirty="0">
+                <a:latin typeface="Menlo"/>
+              </a:rPr>
+              <a:t>    </a:t>
+            </a:r>
+            <a:r>
+              <a:rPr lang="en-SG" sz="1400" dirty="0" err="1">
+                <a:latin typeface="Menlo"/>
+              </a:rPr>
+              <a:t>unique_ptr</a:t>
+            </a:r>
+            <a:r>
+              <a:rPr lang="en-SG" sz="1400" dirty="0">
+                <a:latin typeface="Menlo"/>
+              </a:rPr>
+              <a:t>&lt;</a:t>
+            </a:r>
+            <a:r>
+              <a:rPr lang="en-SG" sz="1400" dirty="0" err="1">
+                <a:latin typeface="Menlo"/>
+              </a:rPr>
+              <a:t>int</a:t>
+            </a:r>
+            <a:r>
+              <a:rPr lang="en-SG" sz="1400" dirty="0">
+                <a:latin typeface="Menlo"/>
+              </a:rPr>
+              <a:t>&gt; num1 = </a:t>
+            </a:r>
+            <a:r>
+              <a:rPr lang="en-SG" sz="1400" dirty="0" err="1">
+                <a:latin typeface="Menlo"/>
+              </a:rPr>
+              <a:t>make_unique</a:t>
+            </a:r>
+            <a:r>
+              <a:rPr lang="en-SG" sz="1400" dirty="0">
+                <a:latin typeface="Menlo"/>
+              </a:rPr>
+              <a:t>&lt;</a:t>
+            </a:r>
+            <a:r>
+              <a:rPr lang="en-SG" sz="1400" dirty="0" err="1">
+                <a:latin typeface="Menlo"/>
+              </a:rPr>
+              <a:t>int</a:t>
+            </a:r>
+            <a:r>
+              <a:rPr lang="en-SG" sz="1400" dirty="0">
+                <a:latin typeface="Menlo"/>
+              </a:rPr>
+              <a:t>&gt;(2);</a:t>
+            </a:r>
+          </a:p>
+          <a:p>
+            <a:endParaRPr lang="en-SG" sz="1400" dirty="0">
+              <a:latin typeface="Menlo"/>
+            </a:endParaRPr>
+          </a:p>
+          <a:p>
+            <a:r>
+              <a:rPr lang="en-SG" sz="1400" dirty="0">
+                <a:latin typeface="Menlo"/>
+              </a:rPr>
+              <a:t>    </a:t>
+            </a:r>
+            <a:r>
+              <a:rPr lang="en-SG" sz="1400" dirty="0" err="1">
+                <a:latin typeface="Menlo"/>
+              </a:rPr>
+              <a:t>unique_ptr</a:t>
+            </a:r>
+            <a:r>
+              <a:rPr lang="en-SG" sz="1400" dirty="0">
+                <a:latin typeface="Menlo"/>
+              </a:rPr>
+              <a:t>&lt;</a:t>
+            </a:r>
+            <a:r>
+              <a:rPr lang="en-SG" sz="1400" dirty="0" err="1">
+                <a:latin typeface="Menlo"/>
+              </a:rPr>
+              <a:t>int</a:t>
+            </a:r>
+            <a:r>
+              <a:rPr lang="en-SG" sz="1400" dirty="0">
+                <a:latin typeface="Menlo"/>
+              </a:rPr>
+              <a:t>&gt; num2 = move(num1);</a:t>
+            </a:r>
+          </a:p>
+          <a:p>
+            <a:endParaRPr lang="en-SG" sz="1400" dirty="0">
+              <a:latin typeface="Menlo"/>
+            </a:endParaRPr>
+          </a:p>
+          <a:p>
+            <a:r>
+              <a:rPr lang="en-SG" sz="1400" dirty="0">
+                <a:latin typeface="Menlo"/>
+              </a:rPr>
+              <a:t>    // do some work</a:t>
+            </a:r>
+          </a:p>
+          <a:p>
+            <a:r>
+              <a:rPr lang="en-SG" sz="1400" dirty="0">
+                <a:latin typeface="Menlo"/>
+              </a:rPr>
+              <a:t>	.</a:t>
+            </a:r>
+          </a:p>
+          <a:p>
+            <a:r>
+              <a:rPr lang="en-SG" sz="1400" dirty="0">
+                <a:latin typeface="Menlo"/>
+              </a:rPr>
+              <a:t>	.</a:t>
+            </a:r>
+          </a:p>
+          <a:p>
+            <a:r>
+              <a:rPr lang="en-SG" sz="1400" dirty="0">
+                <a:latin typeface="Menlo"/>
+              </a:rPr>
+              <a:t>	.</a:t>
+            </a:r>
+          </a:p>
+          <a:p>
+            <a:endParaRPr lang="en-SG" dirty="0">
+              <a:latin typeface="Menlo"/>
+            </a:endParaRPr>
+          </a:p>
+          <a:p>
+            <a:endParaRPr lang="en-US" dirty="0">
+              <a:latin typeface="Menlo"/>
+            </a:endParaRPr>
+          </a:p>
+          <a:p>
+            <a:endParaRPr lang="en-US" dirty="0">
+              <a:latin typeface="Menlo"/>
+            </a:endParaRPr>
           </a:p>
         </p:txBody>
       </p:sp>
@@ -5139,7 +6012,7 @@
           <p:cNvPr id="13" name="TextBox 12">
             <a:extLst>
               <a:ext uri="{FF2B5EF4-FFF2-40B4-BE49-F238E27FC236}">
-                <a16:creationId xmlns:a16="http://schemas.microsoft.com/office/drawing/2014/main" id="{19100634-0D10-754C-84EE-FC36C691E9FC}"/>
+                <a16:creationId xmlns:a16="http://schemas.microsoft.com/office/drawing/2014/main" id="{EF651F9D-28A4-0148-8D86-C813A5C77329}"/>
               </a:ext>
             </a:extLst>
           </p:cNvPr>
@@ -5148,8 +6021,8 @@
         </p:nvSpPr>
         <p:spPr>
           <a:xfrm>
-            <a:off x="3956573" y="6112107"/>
-            <a:ext cx="1992853" cy="215444"/>
+            <a:off x="463893" y="1282390"/>
+            <a:ext cx="3412647" cy="4524315"/>
           </a:xfrm>
           <a:prstGeom prst="rect">
             <a:avLst/>
@@ -5157,154 +6030,183 @@
           <a:noFill/>
         </p:spPr>
         <p:txBody>
-          <a:bodyPr wrap="none" rtlCol="0">
+          <a:bodyPr wrap="square" rtlCol="0">
             <a:spAutoFit/>
           </a:bodyPr>
           <a:lstStyle/>
           <a:p>
             <a:r>
-              <a:rPr lang="en-US" sz="800" dirty="0">
-                <a:solidFill>
-                  <a:schemeClr val="bg1"/>
-                </a:solidFill>
-              </a:rPr>
-              <a:t>Song Credit: Fun (ft. Chris Brown) by Pitbull</a:t>
-            </a:r>
-          </a:p>
-        </p:txBody>
-      </p:sp>
-      <p:sp>
-        <p:nvSpPr>
-          <p:cNvPr id="12" name="TextBox 11">
-            <a:extLst>
-              <a:ext uri="{FF2B5EF4-FFF2-40B4-BE49-F238E27FC236}">
-                <a16:creationId xmlns:a16="http://schemas.microsoft.com/office/drawing/2014/main" id="{BBF00863-8B0F-2242-B7C3-378A99C8AF8D}"/>
-              </a:ext>
-            </a:extLst>
-          </p:cNvPr>
-          <p:cNvSpPr txBox="1"/>
-          <p:nvPr/>
-        </p:nvSpPr>
-        <p:spPr>
-          <a:xfrm>
-            <a:off x="1395163" y="497191"/>
-            <a:ext cx="1898918" cy="369332"/>
-          </a:xfrm>
-          <a:prstGeom prst="rect">
-            <a:avLst/>
-          </a:prstGeom>
-          <a:noFill/>
-        </p:spPr>
-        <p:txBody>
-          <a:bodyPr wrap="none" rtlCol="0">
-            <a:spAutoFit/>
-          </a:bodyPr>
-          <a:lstStyle/>
-          <a:p>
-            <a:r>
-              <a:rPr lang="en-US" b="1" dirty="0">
+              <a:rPr lang="en-US" sz="1600" dirty="0">
                 <a:solidFill>
                   <a:schemeClr val="bg1"/>
                 </a:solidFill>
                 <a:latin typeface="Helvetica" pitchFamily="2" charset="0"/>
               </a:rPr>
-              <a:t>Topics Covered</a:t>
-            </a:r>
-          </a:p>
-        </p:txBody>
-      </p:sp>
-      <p:sp>
-        <p:nvSpPr>
-          <p:cNvPr id="14" name="TextBox 13">
-            <a:extLst>
-              <a:ext uri="{FF2B5EF4-FFF2-40B4-BE49-F238E27FC236}">
-                <a16:creationId xmlns:a16="http://schemas.microsoft.com/office/drawing/2014/main" id="{640AE39C-8E32-DC4C-A665-CA9BCF6D09E0}"/>
-              </a:ext>
-            </a:extLst>
-          </p:cNvPr>
-          <p:cNvSpPr txBox="1"/>
-          <p:nvPr/>
-        </p:nvSpPr>
-        <p:spPr>
-          <a:xfrm>
-            <a:off x="1395162" y="4466354"/>
-            <a:ext cx="7598935" cy="1384995"/>
-          </a:xfrm>
-          <a:prstGeom prst="rect">
-            <a:avLst/>
-          </a:prstGeom>
-          <a:noFill/>
-        </p:spPr>
-        <p:txBody>
-          <a:bodyPr wrap="square" rtlCol="0">
-            <a:spAutoFit/>
-          </a:bodyPr>
-          <a:lstStyle/>
-          <a:p>
-            <a:r>
-              <a:rPr lang="en-SG" sz="4000" u="sng" dirty="0">
+              <a:t>Only single reference to a resource (unique pointer owns the resource).</a:t>
+            </a:r>
+          </a:p>
+          <a:p>
+            <a:endParaRPr lang="en-US" sz="1600" dirty="0">
+              <a:solidFill>
+                <a:schemeClr val="bg1"/>
+              </a:solidFill>
+              <a:latin typeface="Helvetica" pitchFamily="2" charset="0"/>
+            </a:endParaRPr>
+          </a:p>
+          <a:p>
+            <a:r>
+              <a:rPr lang="en-US" sz="1600" dirty="0">
                 <a:solidFill>
                   <a:schemeClr val="bg1"/>
                 </a:solidFill>
-                <a:hlinkClick r:id="rId5">
-                  <a:extLst>
-                    <a:ext uri="{A12FA001-AC4F-418D-AE19-62706E023703}">
-                      <ahyp:hlinkClr xmlns:ahyp="http://schemas.microsoft.com/office/drawing/2018/hyperlinkcolor" val="tx"/>
-                    </a:ext>
-                  </a:extLst>
-                </a:hlinkClick>
-              </a:rPr>
-              <a:t>https://ict283.github.io/ict283pass/</a:t>
-            </a:r>
-            <a:endParaRPr lang="en-SG" sz="4000" dirty="0">
+                <a:latin typeface="Helvetica" pitchFamily="2" charset="0"/>
+              </a:rPr>
+              <a:t>Does not provide a copy constructor (deleted signature).	</a:t>
+            </a:r>
+          </a:p>
+          <a:p>
+            <a:endParaRPr lang="en-US" sz="1600" dirty="0">
               <a:solidFill>
                 <a:schemeClr val="bg1"/>
               </a:solidFill>
+              <a:latin typeface="Helvetica" pitchFamily="2" charset="0"/>
             </a:endParaRPr>
           </a:p>
           <a:p>
-            <a:endParaRPr lang="en-US" sz="4400" dirty="0">
+            <a:r>
+              <a:rPr lang="en-US" sz="1600" dirty="0">
+                <a:solidFill>
+                  <a:schemeClr val="bg1"/>
+                </a:solidFill>
+                <a:latin typeface="Helvetica" pitchFamily="2" charset="0"/>
+              </a:rPr>
+              <a:t>Resource can be transferred by using move semantics </a:t>
+            </a:r>
+          </a:p>
+          <a:p>
+            <a:r>
+              <a:rPr lang="en-US" sz="1600" dirty="0">
+                <a:solidFill>
+                  <a:schemeClr val="bg1"/>
+                </a:solidFill>
+                <a:latin typeface="Helvetica" pitchFamily="2" charset="0"/>
+              </a:rPr>
+              <a:t>“ </a:t>
+            </a:r>
+            <a:r>
+              <a:rPr lang="en-US" sz="1600" dirty="0" err="1">
+                <a:solidFill>
+                  <a:schemeClr val="bg1"/>
+                </a:solidFill>
+                <a:latin typeface="Helvetica" pitchFamily="2" charset="0"/>
+              </a:rPr>
+              <a:t>std</a:t>
+            </a:r>
+            <a:r>
+              <a:rPr lang="en-US" sz="1600" dirty="0">
+                <a:solidFill>
+                  <a:schemeClr val="bg1"/>
+                </a:solidFill>
+                <a:latin typeface="Helvetica" pitchFamily="2" charset="0"/>
+              </a:rPr>
+              <a:t>::move ”.</a:t>
+            </a:r>
+          </a:p>
+          <a:p>
+            <a:endParaRPr lang="en-US" sz="1600" dirty="0">
               <a:solidFill>
                 <a:schemeClr val="bg1"/>
               </a:solidFill>
+              <a:latin typeface="Helvetica" pitchFamily="2" charset="0"/>
             </a:endParaRPr>
           </a:p>
-        </p:txBody>
-      </p:sp>
-      <p:sp useBgFill="1">
-        <p:nvSpPr>
-          <p:cNvPr id="15" name="TextBox 14">
-            <a:extLst>
-              <a:ext uri="{FF2B5EF4-FFF2-40B4-BE49-F238E27FC236}">
-                <a16:creationId xmlns:a16="http://schemas.microsoft.com/office/drawing/2014/main" id="{ABFCA09E-51CC-384C-A8BA-F323300FF6F6}"/>
-              </a:ext>
-            </a:extLst>
-          </p:cNvPr>
-          <p:cNvSpPr txBox="1"/>
-          <p:nvPr/>
-        </p:nvSpPr>
-        <p:spPr>
-          <a:xfrm>
-            <a:off x="1395163" y="3962146"/>
-            <a:ext cx="4819581" cy="646331"/>
-          </a:xfrm>
-          <a:prstGeom prst="rect">
-            <a:avLst/>
-          </a:prstGeom>
-        </p:spPr>
-        <p:txBody>
-          <a:bodyPr wrap="square" rtlCol="0">
-            <a:spAutoFit/>
-          </a:bodyPr>
-          <a:lstStyle/>
-          <a:p>
-            <a:r>
-              <a:rPr lang="en-SG" sz="3600" b="1" dirty="0">
+          <a:p>
+            <a:r>
+              <a:rPr lang="en-US" sz="1600" dirty="0">
                 <a:solidFill>
                   <a:schemeClr val="bg1"/>
                 </a:solidFill>
-              </a:rPr>
-              <a:t>Resources &gt; Session 11</a:t>
+                <a:latin typeface="Helvetica" pitchFamily="2" charset="0"/>
+              </a:rPr>
+              <a:t>Memory is freed automatically once pointer goes out of scope.</a:t>
+            </a:r>
+          </a:p>
+          <a:p>
+            <a:endParaRPr lang="en-US" sz="1600" dirty="0">
+              <a:solidFill>
+                <a:schemeClr val="bg1"/>
+              </a:solidFill>
+              <a:latin typeface="Helvetica" pitchFamily="2" charset="0"/>
+            </a:endParaRPr>
+          </a:p>
+          <a:p>
+            <a:r>
+              <a:rPr lang="en-US" sz="1600" dirty="0">
+                <a:solidFill>
+                  <a:schemeClr val="bg1"/>
+                </a:solidFill>
+                <a:latin typeface="Helvetica" pitchFamily="2" charset="0"/>
+              </a:rPr>
+              <a:t>Referenced from namespace </a:t>
+            </a:r>
+          </a:p>
+          <a:p>
+            <a:r>
+              <a:rPr lang="en-US" sz="1600" dirty="0">
+                <a:solidFill>
+                  <a:schemeClr val="bg1"/>
+                </a:solidFill>
+                <a:latin typeface="Helvetica" pitchFamily="2" charset="0"/>
+              </a:rPr>
+              <a:t>“ </a:t>
+            </a:r>
+            <a:r>
+              <a:rPr lang="en-US" sz="1600" dirty="0" err="1">
+                <a:solidFill>
+                  <a:schemeClr val="bg1"/>
+                </a:solidFill>
+                <a:latin typeface="Helvetica" pitchFamily="2" charset="0"/>
+              </a:rPr>
+              <a:t>std</a:t>
+            </a:r>
+            <a:r>
+              <a:rPr lang="en-US" sz="1600" dirty="0">
+                <a:solidFill>
+                  <a:schemeClr val="bg1"/>
+                </a:solidFill>
+                <a:latin typeface="Helvetica" pitchFamily="2" charset="0"/>
+              </a:rPr>
+              <a:t> ”.</a:t>
+            </a:r>
+          </a:p>
+          <a:p>
+            <a:endParaRPr lang="en-US" sz="1600" dirty="0">
+              <a:solidFill>
+                <a:schemeClr val="bg1"/>
+              </a:solidFill>
+              <a:latin typeface="Helvetica" pitchFamily="2" charset="0"/>
+            </a:endParaRPr>
+          </a:p>
+          <a:p>
+            <a:r>
+              <a:rPr lang="en-US" sz="1600" dirty="0">
+                <a:solidFill>
+                  <a:schemeClr val="bg1"/>
+                </a:solidFill>
+                <a:latin typeface="Helvetica" pitchFamily="2" charset="0"/>
+              </a:rPr>
+              <a:t>Referenced from header </a:t>
+            </a:r>
+          </a:p>
+          <a:p>
+            <a:r>
+              <a:rPr lang="en-US" sz="1600" dirty="0">
+                <a:solidFill>
+                  <a:schemeClr val="bg1"/>
+                </a:solidFill>
+                <a:latin typeface="Helvetica" pitchFamily="2" charset="0"/>
+              </a:rPr>
+              <a:t>“ &lt;memory&gt; ”.</a:t>
             </a:r>
           </a:p>
         </p:txBody>
@@ -5312,7 +6214,7 @@
     </p:spTree>
     <p:extLst>
       <p:ext uri="{BB962C8B-B14F-4D97-AF65-F5344CB8AC3E}">
-        <p14:creationId xmlns:p14="http://schemas.microsoft.com/office/powerpoint/2010/main" val="1991090042"/>
+        <p14:creationId xmlns:p14="http://schemas.microsoft.com/office/powerpoint/2010/main" val="2750793318"/>
       </p:ext>
     </p:extLst>
   </p:cSld>
@@ -5411,7 +6313,7 @@
         <p:spPr>
           <a:xfrm>
             <a:off x="1395163" y="497191"/>
-            <a:ext cx="2428870" cy="369332"/>
+            <a:ext cx="3724096" cy="369332"/>
           </a:xfrm>
           <a:prstGeom prst="rect">
             <a:avLst/>
@@ -5431,17 +6333,45 @@
                 </a:solidFill>
                 <a:latin typeface="Helvetica" pitchFamily="2" charset="0"/>
               </a:rPr>
-              <a:t>C++ Documentation </a:t>
-            </a:r>
-          </a:p>
-        </p:txBody>
-      </p:sp>
-      <p:sp>
-        <p:nvSpPr>
-          <p:cNvPr id="27" name="Slide Number Placeholder 26">
+              <a:t>Smart Pointers – Shared Pointer</a:t>
+            </a:r>
+          </a:p>
+        </p:txBody>
+      </p:sp>
+      <p:sp>
+        <p:nvSpPr>
+          <p:cNvPr id="3" name="Footer Placeholder 2">
             <a:extLst>
               <a:ext uri="{FF2B5EF4-FFF2-40B4-BE49-F238E27FC236}">
-                <a16:creationId xmlns:a16="http://schemas.microsoft.com/office/drawing/2014/main" id="{2B039515-27A6-A843-AABB-49ED21448284}"/>
+                <a16:creationId xmlns:a16="http://schemas.microsoft.com/office/drawing/2014/main" id="{9A8D9C52-7ED6-BF40-A194-4ACC3C745BC2}"/>
+              </a:ext>
+            </a:extLst>
+          </p:cNvPr>
+          <p:cNvSpPr>
+            <a:spLocks noGrp="1"/>
+          </p:cNvSpPr>
+          <p:nvPr>
+            <p:ph type="ftr" sz="quarter" idx="11"/>
+          </p:nvPr>
+        </p:nvSpPr>
+        <p:spPr/>
+        <p:txBody>
+          <a:bodyPr/>
+          <a:lstStyle/>
+          <a:p>
+            <a:r>
+              <a:rPr lang="en-US"/>
+              <a:t>Copyright © 2020 Glenn Lum. All rights reserved.</a:t>
+            </a:r>
+          </a:p>
+        </p:txBody>
+      </p:sp>
+      <p:sp>
+        <p:nvSpPr>
+          <p:cNvPr id="4" name="Slide Number Placeholder 3">
+            <a:extLst>
+              <a:ext uri="{FF2B5EF4-FFF2-40B4-BE49-F238E27FC236}">
+                <a16:creationId xmlns:a16="http://schemas.microsoft.com/office/drawing/2014/main" id="{4E97DD15-EE8C-694A-9BAD-2F2F556B45A7}"/>
               </a:ext>
             </a:extLst>
           </p:cNvPr>
@@ -5461,16 +6391,319 @@
               <a:rPr lang="en-US" smtClean="0"/>
               <a:t>5</a:t>
             </a:fld>
-            <a:endParaRPr lang="en-US" dirty="0"/>
-          </a:p>
-        </p:txBody>
-      </p:sp>
-      <p:sp useBgFill="1">
-        <p:nvSpPr>
-          <p:cNvPr id="11" name="TextBox 10">
+            <a:endParaRPr lang="en-US"/>
+          </a:p>
+        </p:txBody>
+      </p:sp>
+      <p:sp>
+        <p:nvSpPr>
+          <p:cNvPr id="5" name="Rectangle 4">
             <a:extLst>
               <a:ext uri="{FF2B5EF4-FFF2-40B4-BE49-F238E27FC236}">
-                <a16:creationId xmlns:a16="http://schemas.microsoft.com/office/drawing/2014/main" id="{FA23BE89-BEB5-2143-A319-70E55C67F5F9}"/>
+                <a16:creationId xmlns:a16="http://schemas.microsoft.com/office/drawing/2014/main" id="{549F43B9-F7E1-094C-A468-00DE66332474}"/>
+              </a:ext>
+            </a:extLst>
+          </p:cNvPr>
+          <p:cNvSpPr/>
+          <p:nvPr/>
+        </p:nvSpPr>
+        <p:spPr>
+          <a:xfrm>
+            <a:off x="4056845" y="1282388"/>
+            <a:ext cx="5299027" cy="4963865"/>
+          </a:xfrm>
+          <a:prstGeom prst="rect">
+            <a:avLst/>
+          </a:prstGeom>
+          <a:solidFill>
+            <a:srgbClr val="7030A0"/>
+          </a:solidFill>
+          <a:ln>
+            <a:solidFill>
+              <a:schemeClr val="bg1"/>
+            </a:solidFill>
+          </a:ln>
+        </p:spPr>
+        <p:style>
+          <a:lnRef idx="2">
+            <a:schemeClr val="accent1">
+              <a:shade val="50000"/>
+            </a:schemeClr>
+          </a:lnRef>
+          <a:fillRef idx="1">
+            <a:schemeClr val="accent1"/>
+          </a:fillRef>
+          <a:effectRef idx="0">
+            <a:schemeClr val="accent1"/>
+          </a:effectRef>
+          <a:fontRef idx="minor">
+            <a:schemeClr val="lt1"/>
+          </a:fontRef>
+        </p:style>
+        <p:txBody>
+          <a:bodyPr rtlCol="0" anchor="t" anchorCtr="0"/>
+          <a:lstStyle/>
+          <a:p>
+            <a:endParaRPr lang="en-US" dirty="0">
+              <a:latin typeface="Menlo"/>
+            </a:endParaRPr>
+          </a:p>
+          <a:p>
+            <a:r>
+              <a:rPr lang="en-SG" sz="1400" dirty="0">
+                <a:latin typeface="Menlo"/>
+              </a:rPr>
+              <a:t>    </a:t>
+            </a:r>
+            <a:r>
+              <a:rPr lang="en-SG" sz="1400" dirty="0" err="1">
+                <a:latin typeface="Menlo"/>
+              </a:rPr>
+              <a:t>shared_ptr</a:t>
+            </a:r>
+            <a:r>
+              <a:rPr lang="en-SG" sz="1400" dirty="0">
+                <a:latin typeface="Menlo"/>
+              </a:rPr>
+              <a:t>&lt;</a:t>
+            </a:r>
+            <a:r>
+              <a:rPr lang="en-SG" sz="1400" dirty="0" err="1">
+                <a:latin typeface="Menlo"/>
+              </a:rPr>
+              <a:t>int</a:t>
+            </a:r>
+            <a:r>
+              <a:rPr lang="en-SG" sz="1400" dirty="0">
+                <a:latin typeface="Menlo"/>
+              </a:rPr>
+              <a:t>&gt; </a:t>
+            </a:r>
+            <a:r>
+              <a:rPr lang="en-SG" sz="1400" dirty="0" err="1">
+                <a:latin typeface="Menlo"/>
+              </a:rPr>
+              <a:t>num</a:t>
+            </a:r>
+            <a:r>
+              <a:rPr lang="en-SG" sz="1400" dirty="0">
+                <a:latin typeface="Menlo"/>
+              </a:rPr>
+              <a:t> (new </a:t>
+            </a:r>
+            <a:r>
+              <a:rPr lang="en-SG" sz="1400" dirty="0" err="1">
+                <a:latin typeface="Menlo"/>
+              </a:rPr>
+              <a:t>int</a:t>
+            </a:r>
+            <a:r>
+              <a:rPr lang="en-SG" sz="1400" dirty="0">
+                <a:latin typeface="Menlo"/>
+              </a:rPr>
+              <a:t>(1));</a:t>
+            </a:r>
+          </a:p>
+          <a:p>
+            <a:endParaRPr lang="en-SG" sz="1400" dirty="0">
+              <a:latin typeface="Menlo"/>
+            </a:endParaRPr>
+          </a:p>
+          <a:p>
+            <a:r>
+              <a:rPr lang="en-SG" sz="1400" dirty="0">
+                <a:latin typeface="Menlo"/>
+              </a:rPr>
+              <a:t>    // do some work	</a:t>
+            </a:r>
+          </a:p>
+          <a:p>
+            <a:endParaRPr lang="en-SG" sz="1400" dirty="0">
+              <a:latin typeface="Menlo"/>
+            </a:endParaRPr>
+          </a:p>
+          <a:p>
+            <a:r>
+              <a:rPr lang="en-SG" sz="1400" dirty="0">
+                <a:latin typeface="Menlo"/>
+              </a:rPr>
+              <a:t>	.</a:t>
+            </a:r>
+          </a:p>
+          <a:p>
+            <a:r>
+              <a:rPr lang="en-SG" sz="1400" dirty="0">
+                <a:latin typeface="Menlo"/>
+              </a:rPr>
+              <a:t>	.</a:t>
+            </a:r>
+          </a:p>
+          <a:p>
+            <a:r>
+              <a:rPr lang="en-SG" sz="1400" dirty="0">
+                <a:latin typeface="Menlo"/>
+              </a:rPr>
+              <a:t>	.</a:t>
+            </a:r>
+          </a:p>
+          <a:p>
+            <a:endParaRPr lang="en-SG" sz="1400" dirty="0">
+              <a:latin typeface="Menlo"/>
+            </a:endParaRPr>
+          </a:p>
+          <a:p>
+            <a:r>
+              <a:rPr lang="en-SG" sz="1400" dirty="0">
+                <a:latin typeface="Menlo"/>
+              </a:rPr>
+              <a:t>   </a:t>
+            </a:r>
+            <a:r>
+              <a:rPr lang="en-SG" sz="1400" dirty="0" err="1">
+                <a:latin typeface="Menlo"/>
+              </a:rPr>
+              <a:t>shared_ptr</a:t>
+            </a:r>
+            <a:r>
+              <a:rPr lang="en-SG" sz="1400" dirty="0">
+                <a:latin typeface="Menlo"/>
+              </a:rPr>
+              <a:t>&lt;</a:t>
+            </a:r>
+            <a:r>
+              <a:rPr lang="en-SG" sz="1400" dirty="0" err="1">
+                <a:latin typeface="Menlo"/>
+              </a:rPr>
+              <a:t>int</a:t>
+            </a:r>
+            <a:r>
+              <a:rPr lang="en-SG" sz="1400" dirty="0">
+                <a:latin typeface="Menlo"/>
+              </a:rPr>
+              <a:t> &gt; num1 = </a:t>
+            </a:r>
+            <a:r>
+              <a:rPr lang="en-SG" sz="1400" dirty="0" err="1">
+                <a:latin typeface="Menlo"/>
+              </a:rPr>
+              <a:t>make_shared</a:t>
+            </a:r>
+            <a:r>
+              <a:rPr lang="en-SG" sz="1400" dirty="0">
+                <a:latin typeface="Menlo"/>
+              </a:rPr>
+              <a:t>&lt;</a:t>
+            </a:r>
+            <a:r>
+              <a:rPr lang="en-SG" sz="1400" dirty="0" err="1">
+                <a:latin typeface="Menlo"/>
+              </a:rPr>
+              <a:t>int</a:t>
+            </a:r>
+            <a:r>
+              <a:rPr lang="en-SG" sz="1400" dirty="0">
+                <a:latin typeface="Menlo"/>
+              </a:rPr>
+              <a:t>&gt;(2);</a:t>
+            </a:r>
+          </a:p>
+          <a:p>
+            <a:endParaRPr lang="en-SG" sz="1400" dirty="0">
+              <a:latin typeface="Menlo"/>
+            </a:endParaRPr>
+          </a:p>
+          <a:p>
+            <a:r>
+              <a:rPr lang="en-SG" sz="1400" dirty="0">
+                <a:latin typeface="Menlo"/>
+              </a:rPr>
+              <a:t>   </a:t>
+            </a:r>
+            <a:r>
+              <a:rPr lang="en-SG" sz="1400" dirty="0" err="1">
+                <a:latin typeface="Menlo"/>
+              </a:rPr>
+              <a:t>shared_ptr</a:t>
+            </a:r>
+            <a:r>
+              <a:rPr lang="en-SG" sz="1400" dirty="0">
+                <a:latin typeface="Menlo"/>
+              </a:rPr>
+              <a:t>&lt;</a:t>
+            </a:r>
+            <a:r>
+              <a:rPr lang="en-SG" sz="1400" dirty="0" err="1">
+                <a:latin typeface="Menlo"/>
+              </a:rPr>
+              <a:t>int</a:t>
+            </a:r>
+            <a:r>
+              <a:rPr lang="en-SG" sz="1400" dirty="0">
+                <a:latin typeface="Menlo"/>
+              </a:rPr>
+              <a:t> &gt; num2 = num1;</a:t>
+            </a:r>
+          </a:p>
+          <a:p>
+            <a:endParaRPr lang="en-SG" sz="1400" dirty="0">
+              <a:latin typeface="Menlo"/>
+            </a:endParaRPr>
+          </a:p>
+          <a:p>
+            <a:r>
+              <a:rPr lang="en-SG" sz="1400" dirty="0">
+                <a:latin typeface="Menlo"/>
+              </a:rPr>
+              <a:t>    // do some work</a:t>
+            </a:r>
+          </a:p>
+          <a:p>
+            <a:r>
+              <a:rPr lang="en-SG" sz="1400" dirty="0">
+                <a:latin typeface="Menlo"/>
+              </a:rPr>
+              <a:t>	.</a:t>
+            </a:r>
+          </a:p>
+          <a:p>
+            <a:r>
+              <a:rPr lang="en-SG" sz="1400" dirty="0">
+                <a:latin typeface="Menlo"/>
+              </a:rPr>
+              <a:t>	.</a:t>
+            </a:r>
+          </a:p>
+          <a:p>
+            <a:r>
+              <a:rPr lang="en-SG" sz="1400" dirty="0">
+                <a:latin typeface="Menlo"/>
+              </a:rPr>
+              <a:t>	.</a:t>
+            </a:r>
+          </a:p>
+          <a:p>
+            <a:endParaRPr lang="en-SG" dirty="0">
+              <a:latin typeface="Menlo"/>
+            </a:endParaRPr>
+          </a:p>
+          <a:p>
+            <a:endParaRPr lang="en-US" dirty="0">
+              <a:latin typeface="Menlo"/>
+            </a:endParaRPr>
+          </a:p>
+          <a:p>
+            <a:endParaRPr lang="en-US" dirty="0">
+              <a:latin typeface="Menlo"/>
+            </a:endParaRPr>
+          </a:p>
+        </p:txBody>
+      </p:sp>
+      <p:sp>
+        <p:nvSpPr>
+          <p:cNvPr id="13" name="TextBox 12">
+            <a:extLst>
+              <a:ext uri="{FF2B5EF4-FFF2-40B4-BE49-F238E27FC236}">
+                <a16:creationId xmlns:a16="http://schemas.microsoft.com/office/drawing/2014/main" id="{EF651F9D-28A4-0148-8D86-C813A5C77329}"/>
               </a:ext>
             </a:extLst>
           </p:cNvPr>
@@ -5479,90 +6712,8 @@
         </p:nvSpPr>
         <p:spPr>
           <a:xfrm>
-            <a:off x="1395163" y="1169363"/>
-            <a:ext cx="7181278" cy="1477328"/>
-          </a:xfrm>
-          <a:prstGeom prst="rect">
-            <a:avLst/>
-          </a:prstGeom>
-        </p:spPr>
-        <p:txBody>
-          <a:bodyPr wrap="square" rtlCol="0">
-            <a:spAutoFit/>
-          </a:bodyPr>
-          <a:lstStyle/>
-          <a:p>
-            <a:r>
-              <a:rPr lang="en-SG" sz="3600" b="1" dirty="0">
-                <a:solidFill>
-                  <a:schemeClr val="bg1"/>
-                </a:solidFill>
-              </a:rPr>
-              <a:t>Reading C++ Documentation</a:t>
-            </a:r>
-            <a:endParaRPr lang="en-SG" sz="2000" dirty="0">
-              <a:solidFill>
-                <a:schemeClr val="bg1"/>
-              </a:solidFill>
-            </a:endParaRPr>
-          </a:p>
-          <a:p>
-            <a:r>
-              <a:rPr lang="en-SG" dirty="0">
-                <a:solidFill>
-                  <a:schemeClr val="bg1"/>
-                </a:solidFill>
-              </a:rPr>
-              <a:t>One aspect of being a competent programmer is being able to source documentation in order to understand a coding language. One great site for C++ documentation is </a:t>
-            </a:r>
-            <a:r>
-              <a:rPr lang="en-SG" dirty="0" err="1">
-                <a:solidFill>
-                  <a:schemeClr val="bg1"/>
-                </a:solidFill>
-              </a:rPr>
-              <a:t>DevDocs</a:t>
-            </a:r>
-            <a:r>
-              <a:rPr lang="en-SG" dirty="0">
-                <a:solidFill>
-                  <a:schemeClr val="bg1"/>
-                </a:solidFill>
-              </a:rPr>
-              <a:t>. </a:t>
-            </a:r>
-            <a:r>
-              <a:rPr lang="en-SG" b="1" dirty="0">
-                <a:solidFill>
-                  <a:schemeClr val="bg1"/>
-                </a:solidFill>
-              </a:rPr>
-              <a:t>Bookmark it! </a:t>
-            </a:r>
-            <a:endParaRPr lang="en-SG" sz="2000" dirty="0">
-              <a:solidFill>
-                <a:schemeClr val="bg1"/>
-              </a:solidFill>
-            </a:endParaRPr>
-          </a:p>
-        </p:txBody>
-      </p:sp>
-      <p:sp>
-        <p:nvSpPr>
-          <p:cNvPr id="7" name="TextBox 6">
-            <a:extLst>
-              <a:ext uri="{FF2B5EF4-FFF2-40B4-BE49-F238E27FC236}">
-                <a16:creationId xmlns:a16="http://schemas.microsoft.com/office/drawing/2014/main" id="{96BD70E5-83E3-C443-8B35-4455FF9ED07C}"/>
-              </a:ext>
-            </a:extLst>
-          </p:cNvPr>
-          <p:cNvSpPr txBox="1"/>
-          <p:nvPr/>
-        </p:nvSpPr>
-        <p:spPr>
-          <a:xfrm>
-            <a:off x="1395162" y="5386783"/>
-            <a:ext cx="7598935" cy="1508105"/>
+            <a:off x="463893" y="1282390"/>
+            <a:ext cx="3412647" cy="4031873"/>
           </a:xfrm>
           <a:prstGeom prst="rect">
             <a:avLst/>
@@ -5576,176 +6727,156 @@
           <a:lstStyle/>
           <a:p>
             <a:r>
-              <a:rPr lang="en-US" sz="4800" dirty="0">
+              <a:rPr lang="en-US" sz="1600" dirty="0">
                 <a:solidFill>
                   <a:schemeClr val="bg1"/>
                 </a:solidFill>
-                <a:hlinkClick r:id="rId5">
-                  <a:extLst>
-                    <a:ext uri="{A12FA001-AC4F-418D-AE19-62706E023703}">
-                      <ahyp:hlinkClr xmlns:ahyp="http://schemas.microsoft.com/office/drawing/2018/hyperlinkcolor" val="tx"/>
-                    </a:ext>
-                  </a:extLst>
-                </a:hlinkClick>
-              </a:rPr>
-              <a:t>https://</a:t>
-            </a:r>
-            <a:r>
-              <a:rPr lang="en-US" sz="4800" dirty="0" err="1">
+                <a:latin typeface="Helvetica" pitchFamily="2" charset="0"/>
+              </a:rPr>
+              <a:t>Multiple references to a resource.</a:t>
+            </a:r>
+          </a:p>
+          <a:p>
+            <a:endParaRPr lang="en-US" sz="1600" dirty="0">
+              <a:solidFill>
+                <a:schemeClr val="bg1"/>
+              </a:solidFill>
+              <a:latin typeface="Helvetica" pitchFamily="2" charset="0"/>
+            </a:endParaRPr>
+          </a:p>
+          <a:p>
+            <a:r>
+              <a:rPr lang="en-US" sz="1600" dirty="0">
                 <a:solidFill>
                   <a:schemeClr val="bg1"/>
                 </a:solidFill>
-                <a:hlinkClick r:id="rId5">
-                  <a:extLst>
-                    <a:ext uri="{A12FA001-AC4F-418D-AE19-62706E023703}">
-                      <ahyp:hlinkClr xmlns:ahyp="http://schemas.microsoft.com/office/drawing/2018/hyperlinkcolor" val="tx"/>
-                    </a:ext>
-                  </a:extLst>
-                </a:hlinkClick>
-              </a:rPr>
-              <a:t>devdocs.io</a:t>
-            </a:r>
-            <a:r>
-              <a:rPr lang="en-US" sz="4800" dirty="0">
+                <a:latin typeface="Helvetica" pitchFamily="2" charset="0"/>
+              </a:rPr>
+              <a:t>Maintains a count of the number of references.</a:t>
+            </a:r>
+          </a:p>
+          <a:p>
+            <a:endParaRPr lang="en-US" sz="1600" dirty="0">
+              <a:solidFill>
+                <a:schemeClr val="bg1"/>
+              </a:solidFill>
+              <a:latin typeface="Helvetica" pitchFamily="2" charset="0"/>
+            </a:endParaRPr>
+          </a:p>
+          <a:p>
+            <a:r>
+              <a:rPr lang="en-US" sz="1600" dirty="0">
                 <a:solidFill>
                   <a:schemeClr val="bg1"/>
                 </a:solidFill>
-                <a:hlinkClick r:id="rId5">
-                  <a:extLst>
-                    <a:ext uri="{A12FA001-AC4F-418D-AE19-62706E023703}">
-                      <ahyp:hlinkClr xmlns:ahyp="http://schemas.microsoft.com/office/drawing/2018/hyperlinkcolor" val="tx"/>
-                    </a:ext>
-                  </a:extLst>
-                </a:hlinkClick>
-              </a:rPr>
-              <a:t>/cpp/</a:t>
-            </a:r>
-            <a:endParaRPr lang="en-US" sz="4800" dirty="0">
+                <a:latin typeface="Helvetica" pitchFamily="2" charset="0"/>
+              </a:rPr>
+              <a:t>Memory is freed automatically once pointer goes out of scope and reference count is 0.</a:t>
+            </a:r>
+          </a:p>
+          <a:p>
+            <a:endParaRPr lang="en-US" sz="1600" dirty="0">
               <a:solidFill>
                 <a:schemeClr val="bg1"/>
               </a:solidFill>
+              <a:latin typeface="Helvetica" pitchFamily="2" charset="0"/>
             </a:endParaRPr>
           </a:p>
           <a:p>
-            <a:endParaRPr lang="en-US" sz="4400" dirty="0">
+            <a:r>
+              <a:rPr lang="en-US" sz="1600" b="1" dirty="0">
+                <a:solidFill>
+                  <a:schemeClr val="bg1"/>
+                </a:solidFill>
+                <a:latin typeface="Helvetica" pitchFamily="2" charset="0"/>
+              </a:rPr>
+              <a:t>Subject to circular referencing.</a:t>
+            </a:r>
+          </a:p>
+          <a:p>
+            <a:endParaRPr lang="en-US" sz="1600" dirty="0">
               <a:solidFill>
                 <a:schemeClr val="bg1"/>
               </a:solidFill>
+              <a:latin typeface="Helvetica" pitchFamily="2" charset="0"/>
             </a:endParaRPr>
           </a:p>
-        </p:txBody>
-      </p:sp>
-      <p:sp useBgFill="1">
-        <p:nvSpPr>
-          <p:cNvPr id="9" name="TextBox 8">
-            <a:extLst>
-              <a:ext uri="{FF2B5EF4-FFF2-40B4-BE49-F238E27FC236}">
-                <a16:creationId xmlns:a16="http://schemas.microsoft.com/office/drawing/2014/main" id="{14E630B2-95DB-354C-8AF8-718DC6204ACA}"/>
-              </a:ext>
-            </a:extLst>
-          </p:cNvPr>
-          <p:cNvSpPr txBox="1"/>
-          <p:nvPr/>
-        </p:nvSpPr>
-        <p:spPr>
-          <a:xfrm>
-            <a:off x="1395163" y="4882575"/>
-            <a:ext cx="4819581" cy="646331"/>
-          </a:xfrm>
-          <a:prstGeom prst="rect">
-            <a:avLst/>
-          </a:prstGeom>
-        </p:spPr>
-        <p:txBody>
-          <a:bodyPr wrap="square" rtlCol="0">
-            <a:spAutoFit/>
-          </a:bodyPr>
-          <a:lstStyle/>
-          <a:p>
-            <a:r>
-              <a:rPr lang="en-SG" sz="3600" b="1" dirty="0" err="1">
+          <a:p>
+            <a:r>
+              <a:rPr lang="en-US" sz="1600" dirty="0">
                 <a:solidFill>
                   <a:schemeClr val="bg1"/>
                 </a:solidFill>
-              </a:rPr>
-              <a:t>DevDocs</a:t>
-            </a:r>
-            <a:endParaRPr lang="en-SG" sz="3600" b="1" dirty="0">
+                <a:latin typeface="Helvetica" pitchFamily="2" charset="0"/>
+              </a:rPr>
+              <a:t>Referenced from namespace </a:t>
+            </a:r>
+          </a:p>
+          <a:p>
+            <a:r>
+              <a:rPr lang="en-US" sz="1600" dirty="0">
+                <a:solidFill>
+                  <a:schemeClr val="bg1"/>
+                </a:solidFill>
+                <a:latin typeface="Helvetica" pitchFamily="2" charset="0"/>
+              </a:rPr>
+              <a:t>“ </a:t>
+            </a:r>
+            <a:r>
+              <a:rPr lang="en-US" sz="1600" dirty="0" err="1">
+                <a:solidFill>
+                  <a:schemeClr val="bg1"/>
+                </a:solidFill>
+                <a:latin typeface="Helvetica" pitchFamily="2" charset="0"/>
+              </a:rPr>
+              <a:t>std</a:t>
+            </a:r>
+            <a:r>
+              <a:rPr lang="en-US" sz="1600" dirty="0">
+                <a:solidFill>
+                  <a:schemeClr val="bg1"/>
+                </a:solidFill>
+                <a:latin typeface="Helvetica" pitchFamily="2" charset="0"/>
+              </a:rPr>
+              <a:t> ”.</a:t>
+            </a:r>
+          </a:p>
+          <a:p>
+            <a:endParaRPr lang="en-US" sz="1600" dirty="0">
               <a:solidFill>
                 <a:schemeClr val="bg1"/>
               </a:solidFill>
+              <a:latin typeface="Helvetica" pitchFamily="2" charset="0"/>
             </a:endParaRPr>
           </a:p>
-        </p:txBody>
-      </p:sp>
-      <p:sp>
-        <p:nvSpPr>
-          <p:cNvPr id="2" name="Footer Placeholder 1">
-            <a:extLst>
-              <a:ext uri="{FF2B5EF4-FFF2-40B4-BE49-F238E27FC236}">
-                <a16:creationId xmlns:a16="http://schemas.microsoft.com/office/drawing/2014/main" id="{662F6F7E-0DB4-D047-83B8-61AC474927F5}"/>
-              </a:ext>
-            </a:extLst>
-          </p:cNvPr>
-          <p:cNvSpPr>
-            <a:spLocks noGrp="1"/>
-          </p:cNvSpPr>
-          <p:nvPr>
-            <p:ph type="ftr" sz="quarter" idx="11"/>
-          </p:nvPr>
-        </p:nvSpPr>
-        <p:spPr/>
-        <p:txBody>
-          <a:bodyPr/>
-          <a:lstStyle/>
-          <a:p>
-            <a:r>
-              <a:rPr lang="en-US"/>
-              <a:t>Copyright © 2020 Glenn Lum. All rights reserved.</a:t>
-            </a:r>
-          </a:p>
-        </p:txBody>
-      </p:sp>
-      <p:pic>
-        <p:nvPicPr>
-          <p:cNvPr id="4" name="Picture 3" descr="A screenshot of a cell phone&#10;&#10;Description automatically generated">
-            <a:extLst>
-              <a:ext uri="{FF2B5EF4-FFF2-40B4-BE49-F238E27FC236}">
-                <a16:creationId xmlns:a16="http://schemas.microsoft.com/office/drawing/2014/main" id="{B9A156C0-7749-F544-9562-ED45308D45F7}"/>
-              </a:ext>
-            </a:extLst>
-          </p:cNvPr>
-          <p:cNvPicPr>
-            <a:picLocks noChangeAspect="1"/>
-          </p:cNvPicPr>
-          <p:nvPr/>
-        </p:nvPicPr>
-        <p:blipFill rotWithShape="1">
-          <a:blip r:embed="rId6"/>
-          <a:srcRect t="1" b="57240"/>
-          <a:stretch/>
-        </p:blipFill>
-        <p:spPr>
-          <a:xfrm>
-            <a:off x="1547779" y="2950243"/>
-            <a:ext cx="6810441" cy="1686192"/>
-          </a:xfrm>
-          <a:prstGeom prst="rect">
-            <a:avLst/>
-          </a:prstGeom>
-          <a:ln w="25400">
-            <a:solidFill>
-              <a:schemeClr val="bg1">
-                <a:lumMod val="95000"/>
-              </a:schemeClr>
-            </a:solidFill>
-          </a:ln>
-        </p:spPr>
-      </p:pic>
+          <a:p>
+            <a:r>
+              <a:rPr lang="en-US" sz="1600" dirty="0">
+                <a:solidFill>
+                  <a:schemeClr val="bg1"/>
+                </a:solidFill>
+                <a:latin typeface="Helvetica" pitchFamily="2" charset="0"/>
+              </a:rPr>
+              <a:t>Referenced from header </a:t>
+            </a:r>
+          </a:p>
+          <a:p>
+            <a:r>
+              <a:rPr lang="en-US" sz="1600" dirty="0">
+                <a:solidFill>
+                  <a:schemeClr val="bg1"/>
+                </a:solidFill>
+                <a:latin typeface="Helvetica" pitchFamily="2" charset="0"/>
+              </a:rPr>
+              <a:t>“ &lt;memory&gt; ”.</a:t>
+            </a:r>
+          </a:p>
+        </p:txBody>
+      </p:sp>
     </p:spTree>
     <p:extLst>
       <p:ext uri="{BB962C8B-B14F-4D97-AF65-F5344CB8AC3E}">
-        <p14:creationId xmlns:p14="http://schemas.microsoft.com/office/powerpoint/2010/main" val="1548125409"/>
+        <p14:creationId xmlns:p14="http://schemas.microsoft.com/office/powerpoint/2010/main" val="2101023087"/>
       </p:ext>
     </p:extLst>
   </p:cSld>
@@ -5844,7 +6975,7 @@
         <p:spPr>
           <a:xfrm>
             <a:off x="1395163" y="497191"/>
-            <a:ext cx="2287806" cy="369332"/>
+            <a:ext cx="3540393" cy="369332"/>
           </a:xfrm>
           <a:prstGeom prst="rect">
             <a:avLst/>
@@ -5858,23 +6989,51 @@
           <a:lstStyle/>
           <a:p>
             <a:r>
-              <a:rPr lang="en-US" b="1">
+              <a:rPr lang="en-US" b="1" dirty="0">
                 <a:solidFill>
                   <a:schemeClr val="bg1"/>
                 </a:solidFill>
                 <a:latin typeface="Helvetica" pitchFamily="2" charset="0"/>
               </a:rPr>
-              <a:t>Acknowledgement </a:t>
-            </a:r>
-          </a:p>
-        </p:txBody>
-      </p:sp>
-      <p:sp>
-        <p:nvSpPr>
-          <p:cNvPr id="27" name="Slide Number Placeholder 26">
+              <a:t>Smart Pointers – Weak Pointer</a:t>
+            </a:r>
+          </a:p>
+        </p:txBody>
+      </p:sp>
+      <p:sp>
+        <p:nvSpPr>
+          <p:cNvPr id="3" name="Footer Placeholder 2">
             <a:extLst>
               <a:ext uri="{FF2B5EF4-FFF2-40B4-BE49-F238E27FC236}">
-                <a16:creationId xmlns:a16="http://schemas.microsoft.com/office/drawing/2014/main" id="{2B039515-27A6-A843-AABB-49ED21448284}"/>
+                <a16:creationId xmlns:a16="http://schemas.microsoft.com/office/drawing/2014/main" id="{9A8D9C52-7ED6-BF40-A194-4ACC3C745BC2}"/>
+              </a:ext>
+            </a:extLst>
+          </p:cNvPr>
+          <p:cNvSpPr>
+            <a:spLocks noGrp="1"/>
+          </p:cNvSpPr>
+          <p:nvPr>
+            <p:ph type="ftr" sz="quarter" idx="11"/>
+          </p:nvPr>
+        </p:nvSpPr>
+        <p:spPr/>
+        <p:txBody>
+          <a:bodyPr/>
+          <a:lstStyle/>
+          <a:p>
+            <a:r>
+              <a:rPr lang="en-US"/>
+              <a:t>Copyright © 2020 Glenn Lum. All rights reserved.</a:t>
+            </a:r>
+          </a:p>
+        </p:txBody>
+      </p:sp>
+      <p:sp>
+        <p:nvSpPr>
+          <p:cNvPr id="4" name="Slide Number Placeholder 3">
+            <a:extLst>
+              <a:ext uri="{FF2B5EF4-FFF2-40B4-BE49-F238E27FC236}">
+                <a16:creationId xmlns:a16="http://schemas.microsoft.com/office/drawing/2014/main" id="{4E97DD15-EE8C-694A-9BAD-2F2F556B45A7}"/>
               </a:ext>
             </a:extLst>
           </p:cNvPr>
@@ -5894,16 +7053,294 @@
               <a:rPr lang="en-US" smtClean="0"/>
               <a:t>6</a:t>
             </a:fld>
-            <a:endParaRPr lang="en-US"/>
-          </a:p>
-        </p:txBody>
-      </p:sp>
-      <p:sp useBgFill="1">
-        <p:nvSpPr>
-          <p:cNvPr id="11" name="TextBox 10">
+            <a:endParaRPr lang="en-US" dirty="0"/>
+          </a:p>
+        </p:txBody>
+      </p:sp>
+      <p:sp>
+        <p:nvSpPr>
+          <p:cNvPr id="5" name="Rectangle 4">
             <a:extLst>
               <a:ext uri="{FF2B5EF4-FFF2-40B4-BE49-F238E27FC236}">
-                <a16:creationId xmlns:a16="http://schemas.microsoft.com/office/drawing/2014/main" id="{FA23BE89-BEB5-2143-A319-70E55C67F5F9}"/>
+                <a16:creationId xmlns:a16="http://schemas.microsoft.com/office/drawing/2014/main" id="{549F43B9-F7E1-094C-A468-00DE66332474}"/>
+              </a:ext>
+            </a:extLst>
+          </p:cNvPr>
+          <p:cNvSpPr/>
+          <p:nvPr/>
+        </p:nvSpPr>
+        <p:spPr>
+          <a:xfrm>
+            <a:off x="4056845" y="1282388"/>
+            <a:ext cx="5299027" cy="4963865"/>
+          </a:xfrm>
+          <a:prstGeom prst="rect">
+            <a:avLst/>
+          </a:prstGeom>
+          <a:solidFill>
+            <a:srgbClr val="7030A0"/>
+          </a:solidFill>
+          <a:ln>
+            <a:solidFill>
+              <a:schemeClr val="bg1"/>
+            </a:solidFill>
+          </a:ln>
+        </p:spPr>
+        <p:style>
+          <a:lnRef idx="2">
+            <a:schemeClr val="accent1">
+              <a:shade val="50000"/>
+            </a:schemeClr>
+          </a:lnRef>
+          <a:fillRef idx="1">
+            <a:schemeClr val="accent1"/>
+          </a:fillRef>
+          <a:effectRef idx="0">
+            <a:schemeClr val="accent1"/>
+          </a:effectRef>
+          <a:fontRef idx="minor">
+            <a:schemeClr val="lt1"/>
+          </a:fontRef>
+        </p:style>
+        <p:txBody>
+          <a:bodyPr rtlCol="0" anchor="t" anchorCtr="0"/>
+          <a:lstStyle/>
+          <a:p>
+            <a:endParaRPr lang="en-US" dirty="0">
+              <a:latin typeface="Menlo"/>
+            </a:endParaRPr>
+          </a:p>
+          <a:p>
+            <a:r>
+              <a:rPr lang="en-SG" sz="1400" dirty="0">
+                <a:latin typeface="Menlo"/>
+              </a:rPr>
+              <a:t>   </a:t>
+            </a:r>
+            <a:r>
+              <a:rPr lang="en-SG" sz="1400" dirty="0" err="1">
+                <a:latin typeface="Menlo"/>
+              </a:rPr>
+              <a:t>shared_ptr</a:t>
+            </a:r>
+            <a:r>
+              <a:rPr lang="en-SG" sz="1400" dirty="0">
+                <a:latin typeface="Menlo"/>
+              </a:rPr>
+              <a:t>&lt;</a:t>
+            </a:r>
+            <a:r>
+              <a:rPr lang="en-SG" sz="1400" dirty="0" err="1">
+                <a:latin typeface="Menlo"/>
+              </a:rPr>
+              <a:t>int</a:t>
+            </a:r>
+            <a:r>
+              <a:rPr lang="en-SG" sz="1400" dirty="0">
+                <a:latin typeface="Menlo"/>
+              </a:rPr>
+              <a:t> &gt; num1 = </a:t>
+            </a:r>
+            <a:r>
+              <a:rPr lang="en-SG" sz="1400" dirty="0" err="1">
+                <a:latin typeface="Menlo"/>
+              </a:rPr>
+              <a:t>make_shared</a:t>
+            </a:r>
+            <a:r>
+              <a:rPr lang="en-SG" sz="1400" dirty="0">
+                <a:latin typeface="Menlo"/>
+              </a:rPr>
+              <a:t>&lt;</a:t>
+            </a:r>
+            <a:r>
+              <a:rPr lang="en-SG" sz="1400" dirty="0" err="1">
+                <a:latin typeface="Menlo"/>
+              </a:rPr>
+              <a:t>int</a:t>
+            </a:r>
+            <a:r>
+              <a:rPr lang="en-SG" sz="1400" dirty="0">
+                <a:latin typeface="Menlo"/>
+              </a:rPr>
+              <a:t>&gt;(1);</a:t>
+            </a:r>
+          </a:p>
+          <a:p>
+            <a:endParaRPr lang="en-SG" sz="1400" dirty="0">
+              <a:latin typeface="Menlo"/>
+            </a:endParaRPr>
+          </a:p>
+          <a:p>
+            <a:r>
+              <a:rPr lang="en-SG" sz="1400" dirty="0">
+                <a:latin typeface="Menlo"/>
+              </a:rPr>
+              <a:t>   </a:t>
+            </a:r>
+            <a:r>
+              <a:rPr lang="en-SG" sz="1400" dirty="0" err="1">
+                <a:latin typeface="Menlo"/>
+              </a:rPr>
+              <a:t>weak_ptr</a:t>
+            </a:r>
+            <a:r>
+              <a:rPr lang="en-SG" sz="1400" dirty="0">
+                <a:latin typeface="Menlo"/>
+              </a:rPr>
+              <a:t>&lt;</a:t>
+            </a:r>
+            <a:r>
+              <a:rPr lang="en-SG" sz="1400" dirty="0" err="1">
+                <a:latin typeface="Menlo"/>
+              </a:rPr>
+              <a:t>int</a:t>
+            </a:r>
+            <a:r>
+              <a:rPr lang="en-SG" sz="1400" dirty="0">
+                <a:latin typeface="Menlo"/>
+              </a:rPr>
+              <a:t> &gt; num2(num1);</a:t>
+            </a:r>
+          </a:p>
+          <a:p>
+            <a:endParaRPr lang="en-SG" sz="1400" dirty="0">
+              <a:latin typeface="Menlo"/>
+            </a:endParaRPr>
+          </a:p>
+          <a:p>
+            <a:r>
+              <a:rPr lang="en-SG" sz="1400" dirty="0">
+                <a:latin typeface="Menlo"/>
+              </a:rPr>
+              <a:t>	.</a:t>
+            </a:r>
+          </a:p>
+          <a:p>
+            <a:r>
+              <a:rPr lang="en-SG" sz="1400" dirty="0">
+                <a:latin typeface="Menlo"/>
+              </a:rPr>
+              <a:t>	.</a:t>
+            </a:r>
+          </a:p>
+          <a:p>
+            <a:r>
+              <a:rPr lang="en-SG" sz="1400" dirty="0">
+                <a:latin typeface="Menlo"/>
+              </a:rPr>
+              <a:t>	.</a:t>
+            </a:r>
+          </a:p>
+          <a:p>
+            <a:endParaRPr lang="en-SG" sz="1400" dirty="0">
+              <a:latin typeface="Menlo"/>
+            </a:endParaRPr>
+          </a:p>
+          <a:p>
+            <a:r>
+              <a:rPr lang="en-SG" sz="1400" dirty="0">
+                <a:latin typeface="Menlo"/>
+              </a:rPr>
+              <a:t>   if (</a:t>
+            </a:r>
+            <a:r>
+              <a:rPr lang="en-SG" sz="1400" dirty="0" err="1">
+                <a:latin typeface="Menlo"/>
+              </a:rPr>
+              <a:t>shared_ptr</a:t>
+            </a:r>
+            <a:r>
+              <a:rPr lang="en-SG" sz="1400" dirty="0">
+                <a:latin typeface="Menlo"/>
+              </a:rPr>
+              <a:t>&lt;</a:t>
+            </a:r>
+            <a:r>
+              <a:rPr lang="en-SG" sz="1400" dirty="0" err="1">
+                <a:latin typeface="Menlo"/>
+              </a:rPr>
+              <a:t>int</a:t>
+            </a:r>
+            <a:r>
+              <a:rPr lang="en-SG" sz="1400" dirty="0">
+                <a:latin typeface="Menlo"/>
+              </a:rPr>
+              <a:t>&gt; num3 = num2.lock())</a:t>
+            </a:r>
+          </a:p>
+          <a:p>
+            <a:r>
+              <a:rPr lang="en-SG" sz="1400" dirty="0">
+                <a:latin typeface="Menlo"/>
+              </a:rPr>
+              <a:t>   {</a:t>
+            </a:r>
+          </a:p>
+          <a:p>
+            <a:r>
+              <a:rPr lang="en-SG" sz="1400" dirty="0">
+                <a:latin typeface="Menlo"/>
+              </a:rPr>
+              <a:t>	// resource available</a:t>
+            </a:r>
+          </a:p>
+          <a:p>
+            <a:r>
+              <a:rPr lang="en-SG" sz="1400" dirty="0">
+                <a:latin typeface="Menlo"/>
+              </a:rPr>
+              <a:t>   }</a:t>
+            </a:r>
+          </a:p>
+          <a:p>
+            <a:r>
+              <a:rPr lang="en-SG" sz="1400" dirty="0">
+                <a:latin typeface="Menlo"/>
+              </a:rPr>
+              <a:t>   else</a:t>
+            </a:r>
+          </a:p>
+          <a:p>
+            <a:r>
+              <a:rPr lang="en-SG" sz="1400" dirty="0">
+                <a:latin typeface="Menlo"/>
+              </a:rPr>
+              <a:t>   {</a:t>
+            </a:r>
+          </a:p>
+          <a:p>
+            <a:r>
+              <a:rPr lang="en-SG" sz="1400" dirty="0">
+                <a:latin typeface="Menlo"/>
+              </a:rPr>
+              <a:t>	// resource unavailable</a:t>
+            </a:r>
+          </a:p>
+          <a:p>
+            <a:r>
+              <a:rPr lang="en-SG" sz="1400" dirty="0">
+                <a:latin typeface="Menlo"/>
+              </a:rPr>
+              <a:t>   }</a:t>
+            </a:r>
+            <a:endParaRPr lang="en-US" sz="1400" dirty="0">
+              <a:latin typeface="Menlo"/>
+            </a:endParaRPr>
+          </a:p>
+          <a:p>
+            <a:endParaRPr lang="en-US" dirty="0">
+              <a:latin typeface="Menlo"/>
+            </a:endParaRPr>
+          </a:p>
+        </p:txBody>
+      </p:sp>
+      <p:sp>
+        <p:nvSpPr>
+          <p:cNvPr id="13" name="TextBox 12">
+            <a:extLst>
+              <a:ext uri="{FF2B5EF4-FFF2-40B4-BE49-F238E27FC236}">
+                <a16:creationId xmlns:a16="http://schemas.microsoft.com/office/drawing/2014/main" id="{EF651F9D-28A4-0148-8D86-C813A5C77329}"/>
               </a:ext>
             </a:extLst>
           </p:cNvPr>
@@ -5912,12 +7349,13 @@
         </p:nvSpPr>
         <p:spPr>
           <a:xfrm>
-            <a:off x="1395163" y="1323996"/>
-            <a:ext cx="6834437" cy="3847207"/>
+            <a:off x="463893" y="1282390"/>
+            <a:ext cx="3412647" cy="4770537"/>
           </a:xfrm>
           <a:prstGeom prst="rect">
             <a:avLst/>
           </a:prstGeom>
+          <a:noFill/>
         </p:spPr>
         <p:txBody>
           <a:bodyPr wrap="square" rtlCol="0">
@@ -5926,17 +7364,17 @@
           <a:lstStyle/>
           <a:p>
             <a:r>
-              <a:rPr lang="en-SG" sz="1400" b="1">
+              <a:rPr lang="en-US" sz="1600" dirty="0">
                 <a:solidFill>
                   <a:schemeClr val="bg1"/>
                 </a:solidFill>
                 <a:latin typeface="Helvetica" pitchFamily="2" charset="0"/>
               </a:rPr>
-              <a:t>I inherit much of my material from the following:</a:t>
-            </a:r>
-          </a:p>
-          <a:p>
-            <a:endParaRPr lang="en-SG" sz="1400">
+              <a:t>Allows reference to a shared resource held by Shared Pointer without increasing reference count.</a:t>
+            </a:r>
+          </a:p>
+          <a:p>
+            <a:endParaRPr lang="en-US" sz="1600" dirty="0">
               <a:solidFill>
                 <a:schemeClr val="bg1"/>
               </a:solidFill>
@@ -5944,22 +7382,18 @@
             </a:endParaRPr>
           </a:p>
           <a:p>
-            <a:pPr marL="342900" indent="-342900">
-              <a:buFont typeface="Arial" panose="020B0604020202020204" pitchFamily="34" charset="0"/>
-              <a:buChar char="•"/>
-            </a:pPr>
-            <a:r>
-              <a:rPr lang="en-SG" sz="1400">
+            <a:r>
+              <a:rPr lang="en-US" sz="1600" dirty="0">
                 <a:solidFill>
                   <a:schemeClr val="bg1"/>
                 </a:solidFill>
                 <a:latin typeface="Helvetica" pitchFamily="2" charset="0"/>
               </a:rPr>
-              <a:t>Shri Rai , ICT283 Unit Coordinator</a:t>
-            </a:r>
-          </a:p>
-          <a:p>
-            <a:endParaRPr lang="en-SG" sz="1400">
+              <a:t>Memory is freed automatically once Shared Pointer is out of scope and reference count is 0, regardless of any Weak Pointers.</a:t>
+            </a:r>
+          </a:p>
+          <a:p>
+            <a:endParaRPr lang="en-US" sz="1600" dirty="0">
               <a:solidFill>
                 <a:schemeClr val="bg1"/>
               </a:solidFill>
@@ -5967,22 +7401,36 @@
             </a:endParaRPr>
           </a:p>
           <a:p>
-            <a:pPr marL="342900" indent="-342900">
-              <a:buFont typeface="Arial" panose="020B0604020202020204" pitchFamily="34" charset="0"/>
-              <a:buChar char="•"/>
-            </a:pPr>
-            <a:r>
-              <a:rPr lang="en-SG" sz="1400">
+            <a:r>
+              <a:rPr lang="en-US" sz="1600" dirty="0">
                 <a:solidFill>
                   <a:schemeClr val="bg1"/>
                 </a:solidFill>
                 <a:latin typeface="Helvetica" pitchFamily="2" charset="0"/>
               </a:rPr>
-              <a:t>Reina Mendoza , former PASS leader</a:t>
-            </a:r>
-          </a:p>
-          <a:p>
-            <a:endParaRPr lang="en-SG" sz="1400">
+              <a:t>Requires conversion to Shared Pointer via “ </a:t>
+            </a:r>
+            <a:r>
+              <a:rPr lang="en-US" sz="1600" dirty="0" err="1">
+                <a:solidFill>
+                  <a:schemeClr val="bg1"/>
+                </a:solidFill>
+                <a:latin typeface="Helvetica" pitchFamily="2" charset="0"/>
+              </a:rPr>
+              <a:t>weak_ptr</a:t>
+            </a:r>
+            <a:r>
+              <a:rPr lang="en-US" sz="1600" dirty="0">
+                <a:solidFill>
+                  <a:schemeClr val="bg1"/>
+                </a:solidFill>
+                <a:latin typeface="Helvetica" pitchFamily="2" charset="0"/>
+              </a:rPr>
+              <a:t>::lock “, thus providing checking of available resource.</a:t>
+            </a:r>
+          </a:p>
+          <a:p>
+            <a:endParaRPr lang="en-US" sz="1600" dirty="0">
               <a:solidFill>
                 <a:schemeClr val="bg1"/>
               </a:solidFill>
@@ -5990,26 +7438,47 @@
             </a:endParaRPr>
           </a:p>
           <a:p>
-            <a:pPr marL="342900" indent="-342900">
-              <a:buFont typeface="Arial" panose="020B0604020202020204" pitchFamily="34" charset="0"/>
-              <a:buChar char="•"/>
-            </a:pPr>
-            <a:r>
-              <a:rPr lang="en-SG" sz="1400">
+            <a:r>
+              <a:rPr lang="en-US" sz="1600" dirty="0">
                 <a:solidFill>
                   <a:schemeClr val="bg1"/>
                 </a:solidFill>
                 <a:latin typeface="Helvetica" pitchFamily="2" charset="0"/>
               </a:rPr>
-              <a:t>Abdul Bari , Educator , Mastering Data Structures and Algorithms using C and C++ (Udemy)</a:t>
-            </a:r>
-          </a:p>
-          <a:p>
-            <a:pPr marL="342900" indent="-342900">
-              <a:buFont typeface="Arial" panose="020B0604020202020204" pitchFamily="34" charset="0"/>
-              <a:buChar char="•"/>
-            </a:pPr>
-            <a:endParaRPr lang="en-SG" sz="1400">
+              <a:t>Referenced from namespace </a:t>
+            </a:r>
+          </a:p>
+          <a:p>
+            <a:r>
+              <a:rPr lang="en-US" sz="1600" dirty="0">
+                <a:solidFill>
+                  <a:schemeClr val="bg1"/>
+                </a:solidFill>
+                <a:latin typeface="Helvetica" pitchFamily="2" charset="0"/>
+              </a:rPr>
+              <a:t>“ </a:t>
+            </a:r>
+            <a:r>
+              <a:rPr lang="en-US" sz="1600" dirty="0" err="1">
+                <a:solidFill>
+                  <a:schemeClr val="bg1"/>
+                </a:solidFill>
+                <a:latin typeface="Helvetica" pitchFamily="2" charset="0"/>
+              </a:rPr>
+              <a:t>std</a:t>
+            </a:r>
+            <a:r>
+              <a:rPr lang="en-US" sz="1600" dirty="0">
+                <a:solidFill>
+                  <a:schemeClr val="bg1"/>
+                </a:solidFill>
+                <a:latin typeface="Helvetica" pitchFamily="2" charset="0"/>
+              </a:rPr>
+              <a:t> ”.</a:t>
+            </a:r>
+          </a:p>
+          <a:p>
+            <a:endParaRPr lang="en-US" sz="1600" dirty="0">
               <a:solidFill>
                 <a:schemeClr val="bg1"/>
               </a:solidFill>
@@ -6017,156 +7486,25 @@
             </a:endParaRPr>
           </a:p>
           <a:p>
-            <a:pPr marL="342900" indent="-342900">
-              <a:buFont typeface="Arial" panose="020B0604020202020204" pitchFamily="34" charset="0"/>
-              <a:buChar char="•"/>
-            </a:pPr>
-            <a:r>
-              <a:rPr lang="en-SG" sz="1400">
+            <a:r>
+              <a:rPr lang="en-US" sz="1600" dirty="0">
                 <a:solidFill>
                   <a:schemeClr val="bg1"/>
                 </a:solidFill>
                 <a:latin typeface="Helvetica" pitchFamily="2" charset="0"/>
               </a:rPr>
-              <a:t>Abdul Bari, Educator , Learn C++ Programming (Udemy)</a:t>
-            </a:r>
-          </a:p>
-          <a:p>
-            <a:pPr marL="342900" indent="-342900">
-              <a:buFont typeface="Arial" panose="020B0604020202020204" pitchFamily="34" charset="0"/>
-              <a:buChar char="•"/>
-            </a:pPr>
-            <a:endParaRPr lang="en-SG" sz="1400">
-              <a:solidFill>
-                <a:schemeClr val="bg1"/>
-              </a:solidFill>
-              <a:latin typeface="Helvetica" pitchFamily="2" charset="0"/>
-            </a:endParaRPr>
-          </a:p>
-          <a:p>
-            <a:pPr marL="342900" indent="-342900">
-              <a:buFont typeface="Arial" panose="020B0604020202020204" pitchFamily="34" charset="0"/>
-              <a:buChar char="•"/>
-            </a:pPr>
-            <a:r>
-              <a:rPr lang="en-SG" sz="1400">
+              <a:t>Referenced from header </a:t>
+            </a:r>
+          </a:p>
+          <a:p>
+            <a:r>
+              <a:rPr lang="en-US" sz="1600" dirty="0">
                 <a:solidFill>
                   <a:schemeClr val="bg1"/>
                 </a:solidFill>
                 <a:latin typeface="Helvetica" pitchFamily="2" charset="0"/>
               </a:rPr>
-              <a:t>Kurt Anderson, Educator , Computer Science 101 (Udemy)</a:t>
-            </a:r>
-          </a:p>
-          <a:p>
-            <a:pPr marL="342900" indent="-342900">
-              <a:buFont typeface="Arial" panose="020B0604020202020204" pitchFamily="34" charset="0"/>
-              <a:buChar char="•"/>
-            </a:pPr>
-            <a:endParaRPr lang="en-SG" sz="1400">
-              <a:solidFill>
-                <a:schemeClr val="bg1"/>
-              </a:solidFill>
-              <a:latin typeface="Helvetica" pitchFamily="2" charset="0"/>
-            </a:endParaRPr>
-          </a:p>
-          <a:p>
-            <a:pPr marL="342900" indent="-342900">
-              <a:buFont typeface="Arial" panose="020B0604020202020204" pitchFamily="34" charset="0"/>
-              <a:buChar char="•"/>
-            </a:pPr>
-            <a:r>
-              <a:rPr lang="en-SG" sz="1400">
-                <a:solidFill>
-                  <a:schemeClr val="bg1"/>
-                </a:solidFill>
-                <a:latin typeface="Helvetica" pitchFamily="2" charset="0"/>
-              </a:rPr>
-              <a:t>Bucky Roberts (YouTube)</a:t>
-            </a:r>
-          </a:p>
-          <a:p>
-            <a:pPr marL="342900" indent="-342900">
-              <a:buFont typeface="Arial" panose="020B0604020202020204" pitchFamily="34" charset="0"/>
-              <a:buChar char="•"/>
-            </a:pPr>
-            <a:endParaRPr lang="en-SG" sz="1400">
-              <a:solidFill>
-                <a:schemeClr val="bg1"/>
-              </a:solidFill>
-              <a:latin typeface="Helvetica" pitchFamily="2" charset="0"/>
-            </a:endParaRPr>
-          </a:p>
-          <a:p>
-            <a:pPr marL="342900" indent="-342900">
-              <a:buFont typeface="Arial" panose="020B0604020202020204" pitchFamily="34" charset="0"/>
-              <a:buChar char="•"/>
-            </a:pPr>
-            <a:r>
-              <a:rPr lang="en-SG" sz="1400">
-                <a:solidFill>
-                  <a:schemeClr val="bg1"/>
-                </a:solidFill>
-                <a:latin typeface="Helvetica" pitchFamily="2" charset="0"/>
-              </a:rPr>
-              <a:t>The </a:t>
-            </a:r>
-            <a:r>
-              <a:rPr lang="en-SG" sz="1400" err="1">
-                <a:solidFill>
-                  <a:schemeClr val="bg1"/>
-                </a:solidFill>
-                <a:latin typeface="Helvetica" pitchFamily="2" charset="0"/>
-              </a:rPr>
-              <a:t>Cherno</a:t>
-            </a:r>
-            <a:r>
-              <a:rPr lang="en-SG" sz="1400">
-                <a:solidFill>
-                  <a:schemeClr val="bg1"/>
-                </a:solidFill>
-                <a:latin typeface="Helvetica" pitchFamily="2" charset="0"/>
-              </a:rPr>
-              <a:t> (YouTube)</a:t>
-            </a:r>
-          </a:p>
-          <a:p>
-            <a:pPr marL="342900" indent="-342900">
-              <a:buFont typeface="Arial" panose="020B0604020202020204" pitchFamily="34" charset="0"/>
-              <a:buChar char="•"/>
-            </a:pPr>
-            <a:endParaRPr lang="en-SG" sz="2000">
-              <a:solidFill>
-                <a:schemeClr val="bg1"/>
-              </a:solidFill>
-            </a:endParaRPr>
-          </a:p>
-        </p:txBody>
-      </p:sp>
-      <p:sp>
-        <p:nvSpPr>
-          <p:cNvPr id="2" name="Footer Placeholder 1">
-            <a:extLst>
-              <a:ext uri="{FF2B5EF4-FFF2-40B4-BE49-F238E27FC236}">
-                <a16:creationId xmlns:a16="http://schemas.microsoft.com/office/drawing/2014/main" id="{662F6F7E-0DB4-D047-83B8-61AC474927F5}"/>
-              </a:ext>
-            </a:extLst>
-          </p:cNvPr>
-          <p:cNvSpPr>
-            <a:spLocks noGrp="1"/>
-          </p:cNvSpPr>
-          <p:nvPr>
-            <p:ph type="ftr" sz="quarter" idx="11"/>
-          </p:nvPr>
-        </p:nvSpPr>
-        <p:spPr/>
-        <p:txBody>
-          <a:bodyPr/>
-          <a:lstStyle/>
-          <a:p>
-            <a:r>
-              <a:rPr lang="en-US"/>
-              <a:t>Copyright © 2020 Glenn Lum. All rights reserved.</a:t>
+              <a:t>“ &lt;memory&gt; ”.</a:t>
             </a:r>
           </a:p>
         </p:txBody>
@@ -6174,7 +7512,7 @@
     </p:spTree>
     <p:extLst>
       <p:ext uri="{BB962C8B-B14F-4D97-AF65-F5344CB8AC3E}">
-        <p14:creationId xmlns:p14="http://schemas.microsoft.com/office/powerpoint/2010/main" val="3458663365"/>
+        <p14:creationId xmlns:p14="http://schemas.microsoft.com/office/powerpoint/2010/main" val="755067894"/>
       </p:ext>
     </p:extLst>
   </p:cSld>
@@ -6260,6 +7598,313 @@
       </p:pic>
       <p:sp>
         <p:nvSpPr>
+          <p:cNvPr id="27" name="Slide Number Placeholder 26">
+            <a:extLst>
+              <a:ext uri="{FF2B5EF4-FFF2-40B4-BE49-F238E27FC236}">
+                <a16:creationId xmlns:a16="http://schemas.microsoft.com/office/drawing/2014/main" id="{2B039515-27A6-A843-AABB-49ED21448284}"/>
+              </a:ext>
+            </a:extLst>
+          </p:cNvPr>
+          <p:cNvSpPr>
+            <a:spLocks noGrp="1"/>
+          </p:cNvSpPr>
+          <p:nvPr>
+            <p:ph type="sldNum" sz="quarter" idx="12"/>
+          </p:nvPr>
+        </p:nvSpPr>
+        <p:spPr/>
+        <p:txBody>
+          <a:bodyPr/>
+          <a:lstStyle/>
+          <a:p>
+            <a:fld id="{A711AD12-6CFD-0648-8849-664A10101BB9}" type="slidenum">
+              <a:rPr lang="en-US" smtClean="0"/>
+              <a:t>7</a:t>
+            </a:fld>
+            <a:endParaRPr lang="en-US"/>
+          </a:p>
+        </p:txBody>
+      </p:sp>
+      <p:sp>
+        <p:nvSpPr>
+          <p:cNvPr id="11" name="TextBox 10">
+            <a:extLst>
+              <a:ext uri="{FF2B5EF4-FFF2-40B4-BE49-F238E27FC236}">
+                <a16:creationId xmlns:a16="http://schemas.microsoft.com/office/drawing/2014/main" id="{FA23BE89-BEB5-2143-A319-70E55C67F5F9}"/>
+              </a:ext>
+            </a:extLst>
+          </p:cNvPr>
+          <p:cNvSpPr txBox="1"/>
+          <p:nvPr/>
+        </p:nvSpPr>
+        <p:spPr>
+          <a:xfrm>
+            <a:off x="3128010" y="2459503"/>
+            <a:ext cx="3649980" cy="646331"/>
+          </a:xfrm>
+          <a:prstGeom prst="rect">
+            <a:avLst/>
+          </a:prstGeom>
+          <a:noFill/>
+        </p:spPr>
+        <p:txBody>
+          <a:bodyPr wrap="square" rtlCol="0">
+            <a:spAutoFit/>
+          </a:bodyPr>
+          <a:lstStyle/>
+          <a:p>
+            <a:pPr algn="ctr"/>
+            <a:r>
+              <a:rPr lang="en-SG" sz="3600" b="1" dirty="0">
+                <a:solidFill>
+                  <a:schemeClr val="bg1"/>
+                </a:solidFill>
+              </a:rPr>
+              <a:t>Smart Pointers</a:t>
+            </a:r>
+          </a:p>
+        </p:txBody>
+      </p:sp>
+      <p:sp>
+        <p:nvSpPr>
+          <p:cNvPr id="2" name="Footer Placeholder 1">
+            <a:extLst>
+              <a:ext uri="{FF2B5EF4-FFF2-40B4-BE49-F238E27FC236}">
+                <a16:creationId xmlns:a16="http://schemas.microsoft.com/office/drawing/2014/main" id="{60DB4AB2-2968-5D47-8E31-B0DA3F100CF7}"/>
+              </a:ext>
+            </a:extLst>
+          </p:cNvPr>
+          <p:cNvSpPr>
+            <a:spLocks noGrp="1"/>
+          </p:cNvSpPr>
+          <p:nvPr>
+            <p:ph type="ftr" sz="quarter" idx="11"/>
+          </p:nvPr>
+        </p:nvSpPr>
+        <p:spPr/>
+        <p:txBody>
+          <a:bodyPr/>
+          <a:lstStyle/>
+          <a:p>
+            <a:r>
+              <a:rPr lang="en-US"/>
+              <a:t>Copyright © 2020 Glenn Lum. All rights reserved.</a:t>
+            </a:r>
+          </a:p>
+        </p:txBody>
+      </p:sp>
+      <p:sp>
+        <p:nvSpPr>
+          <p:cNvPr id="12" name="Rectangle 11">
+            <a:extLst>
+              <a:ext uri="{FF2B5EF4-FFF2-40B4-BE49-F238E27FC236}">
+                <a16:creationId xmlns:a16="http://schemas.microsoft.com/office/drawing/2014/main" id="{CFEB500D-B3DC-D148-9DA9-613100E09A7C}"/>
+              </a:ext>
+            </a:extLst>
+          </p:cNvPr>
+          <p:cNvSpPr/>
+          <p:nvPr/>
+        </p:nvSpPr>
+        <p:spPr>
+          <a:xfrm>
+            <a:off x="3864112" y="5987020"/>
+            <a:ext cx="2835007" cy="369332"/>
+          </a:xfrm>
+          <a:prstGeom prst="rect">
+            <a:avLst/>
+          </a:prstGeom>
+        </p:spPr>
+        <p:txBody>
+          <a:bodyPr wrap="none">
+            <a:spAutoFit/>
+          </a:bodyPr>
+          <a:lstStyle/>
+          <a:p>
+            <a:r>
+              <a:rPr lang="en-US" dirty="0" err="1">
+                <a:solidFill>
+                  <a:schemeClr val="bg2"/>
+                </a:solidFill>
+              </a:rPr>
+              <a:t>smart_pointer_example.cpp</a:t>
+            </a:r>
+            <a:endParaRPr lang="en-US" dirty="0">
+              <a:solidFill>
+                <a:schemeClr val="bg2"/>
+              </a:solidFill>
+            </a:endParaRPr>
+          </a:p>
+        </p:txBody>
+      </p:sp>
+      <p:sp>
+        <p:nvSpPr>
+          <p:cNvPr id="13" name="TextBox 12">
+            <a:extLst>
+              <a:ext uri="{FF2B5EF4-FFF2-40B4-BE49-F238E27FC236}">
+                <a16:creationId xmlns:a16="http://schemas.microsoft.com/office/drawing/2014/main" id="{7DD28058-4A75-7643-AAFD-E5F9AE33DB02}"/>
+              </a:ext>
+            </a:extLst>
+          </p:cNvPr>
+          <p:cNvSpPr txBox="1"/>
+          <p:nvPr/>
+        </p:nvSpPr>
+        <p:spPr>
+          <a:xfrm>
+            <a:off x="1395163" y="497191"/>
+            <a:ext cx="2010294" cy="369332"/>
+          </a:xfrm>
+          <a:prstGeom prst="rect">
+            <a:avLst/>
+          </a:prstGeom>
+          <a:noFill/>
+        </p:spPr>
+        <p:txBody>
+          <a:bodyPr wrap="none" rtlCol="0">
+            <a:spAutoFit/>
+          </a:bodyPr>
+          <a:lstStyle/>
+          <a:p>
+            <a:r>
+              <a:rPr lang="en-US" b="1" dirty="0">
+                <a:solidFill>
+                  <a:schemeClr val="bg1"/>
+                </a:solidFill>
+                <a:latin typeface="Helvetica" pitchFamily="2" charset="0"/>
+              </a:rPr>
+              <a:t>Code It Yourself!</a:t>
+            </a:r>
+          </a:p>
+        </p:txBody>
+      </p:sp>
+      <p:sp>
+        <p:nvSpPr>
+          <p:cNvPr id="14" name="TextBox 13">
+            <a:extLst>
+              <a:ext uri="{FF2B5EF4-FFF2-40B4-BE49-F238E27FC236}">
+                <a16:creationId xmlns:a16="http://schemas.microsoft.com/office/drawing/2014/main" id="{13543900-7C6D-2E47-9D21-B9AEE5D52C3A}"/>
+              </a:ext>
+            </a:extLst>
+          </p:cNvPr>
+          <p:cNvSpPr txBox="1"/>
+          <p:nvPr/>
+        </p:nvSpPr>
+        <p:spPr>
+          <a:xfrm>
+            <a:off x="3128010" y="3105834"/>
+            <a:ext cx="3649980" cy="646331"/>
+          </a:xfrm>
+          <a:prstGeom prst="rect">
+            <a:avLst/>
+          </a:prstGeom>
+          <a:noFill/>
+        </p:spPr>
+        <p:txBody>
+          <a:bodyPr wrap="square" rtlCol="0">
+            <a:spAutoFit/>
+          </a:bodyPr>
+          <a:lstStyle/>
+          <a:p>
+            <a:pPr algn="ctr"/>
+            <a:r>
+              <a:rPr lang="en-SG" sz="3600" dirty="0">
+                <a:solidFill>
+                  <a:schemeClr val="bg1"/>
+                </a:solidFill>
+              </a:rPr>
+              <a:t>Practice</a:t>
+            </a:r>
+          </a:p>
+        </p:txBody>
+      </p:sp>
+    </p:spTree>
+    <p:extLst>
+      <p:ext uri="{BB962C8B-B14F-4D97-AF65-F5344CB8AC3E}">
+        <p14:creationId xmlns:p14="http://schemas.microsoft.com/office/powerpoint/2010/main" val="3203487993"/>
+      </p:ext>
+    </p:extLst>
+  </p:cSld>
+  <p:clrMapOvr>
+    <a:masterClrMapping/>
+  </p:clrMapOvr>
+  <mc:AlternateContent xmlns:mc="http://schemas.openxmlformats.org/markup-compatibility/2006" xmlns:p14="http://schemas.microsoft.com/office/powerpoint/2010/main">
+    <mc:Choice Requires="p14">
+      <p:transition spd="med" p14:dur="700">
+        <p:fade/>
+      </p:transition>
+    </mc:Choice>
+    <mc:Fallback xmlns="">
+      <p:transition spd="med">
+        <p:fade/>
+      </p:transition>
+    </mc:Fallback>
+  </mc:AlternateContent>
+</p:sld>
+</file>
+
+<file path=ppt/slides/slide8.xml><?xml version="1.0" encoding="utf-8"?>
+<p:sld xmlns:a="http://schemas.openxmlformats.org/drawingml/2006/main" xmlns:r="http://schemas.openxmlformats.org/officeDocument/2006/relationships" xmlns:p="http://schemas.openxmlformats.org/presentationml/2006/main">
+  <p:cSld>
+    <p:spTree>
+      <p:nvGrpSpPr>
+        <p:cNvPr id="1" name=""/>
+        <p:cNvGrpSpPr/>
+        <p:nvPr/>
+      </p:nvGrpSpPr>
+      <p:grpSpPr>
+        <a:xfrm>
+          <a:off x="0" y="0"/>
+          <a:ext cx="0" cy="0"/>
+          <a:chOff x="0" y="0"/>
+          <a:chExt cx="0" cy="0"/>
+        </a:xfrm>
+      </p:grpSpPr>
+      <p:pic>
+        <p:nvPicPr>
+          <p:cNvPr id="8" name="Picture 7" descr="A picture containing table, ottoman, room&#10;&#10;Description automatically generated">
+            <a:extLst>
+              <a:ext uri="{FF2B5EF4-FFF2-40B4-BE49-F238E27FC236}">
+                <a16:creationId xmlns:a16="http://schemas.microsoft.com/office/drawing/2014/main" id="{3C1DEE67-D349-DE4C-AECF-2F351DD4EBEF}"/>
+              </a:ext>
+            </a:extLst>
+          </p:cNvPr>
+          <p:cNvPicPr>
+            <a:picLocks noChangeAspect="1"/>
+          </p:cNvPicPr>
+          <p:nvPr/>
+        </p:nvPicPr>
+        <p:blipFill>
+          <a:blip r:embed="rId3">
+            <a:extLst>
+              <a:ext uri="{BEBA8EAE-BF5A-486C-A8C5-ECC9F3942E4B}">
+                <a14:imgProps xmlns:a14="http://schemas.microsoft.com/office/drawing/2010/main">
+                  <a14:imgLayer r:embed="rId4">
+                    <a14:imgEffect>
+                      <a14:backgroundRemoval t="9714" b="90857" l="9722" r="89931">
+                        <a14:foregroundMark x1="45833" y1="9714" x2="54514" y2="10286"/>
+                        <a14:foregroundMark x1="45833" y1="90857" x2="45833" y2="90857"/>
+                      </a14:backgroundRemoval>
+                    </a14:imgEffect>
+                  </a14:imgLayer>
+                </a14:imgProps>
+              </a:ext>
+            </a:extLst>
+          </a:blip>
+          <a:stretch>
+            <a:fillRect/>
+          </a:stretch>
+        </p:blipFill>
+        <p:spPr>
+          <a:xfrm>
+            <a:off x="312225" y="354719"/>
+            <a:ext cx="1082938" cy="654276"/>
+          </a:xfrm>
+          <a:prstGeom prst="rect">
+            <a:avLst/>
+          </a:prstGeom>
+        </p:spPr>
+      </p:pic>
+      <p:sp>
+        <p:nvSpPr>
           <p:cNvPr id="10" name="TextBox 9">
             <a:extLst>
               <a:ext uri="{FF2B5EF4-FFF2-40B4-BE49-F238E27FC236}">
@@ -6273,7 +7918,7 @@
         <p:spPr>
           <a:xfrm>
             <a:off x="1395163" y="497191"/>
-            <a:ext cx="825867" cy="369332"/>
+            <a:ext cx="2428870" cy="369332"/>
           </a:xfrm>
           <a:prstGeom prst="rect">
             <a:avLst/>
@@ -6293,7 +7938,7 @@
                 </a:solidFill>
                 <a:latin typeface="Helvetica" pitchFamily="2" charset="0"/>
               </a:rPr>
-              <a:t>Pin It!</a:t>
+              <a:t>C++ Documentation </a:t>
             </a:r>
           </a:p>
         </p:txBody>
@@ -6321,9 +7966,222 @@
           <a:p>
             <a:fld id="{A711AD12-6CFD-0648-8849-664A10101BB9}" type="slidenum">
               <a:rPr lang="en-US" smtClean="0"/>
-              <a:t>7</a:t>
+              <a:t>8</a:t>
             </a:fld>
             <a:endParaRPr lang="en-US" dirty="0"/>
+          </a:p>
+        </p:txBody>
+      </p:sp>
+      <p:sp useBgFill="1">
+        <p:nvSpPr>
+          <p:cNvPr id="11" name="TextBox 10">
+            <a:extLst>
+              <a:ext uri="{FF2B5EF4-FFF2-40B4-BE49-F238E27FC236}">
+                <a16:creationId xmlns:a16="http://schemas.microsoft.com/office/drawing/2014/main" id="{FA23BE89-BEB5-2143-A319-70E55C67F5F9}"/>
+              </a:ext>
+            </a:extLst>
+          </p:cNvPr>
+          <p:cNvSpPr txBox="1"/>
+          <p:nvPr/>
+        </p:nvSpPr>
+        <p:spPr>
+          <a:xfrm>
+            <a:off x="1395163" y="1169363"/>
+            <a:ext cx="7181278" cy="1477328"/>
+          </a:xfrm>
+          <a:prstGeom prst="rect">
+            <a:avLst/>
+          </a:prstGeom>
+        </p:spPr>
+        <p:txBody>
+          <a:bodyPr wrap="square" rtlCol="0">
+            <a:spAutoFit/>
+          </a:bodyPr>
+          <a:lstStyle/>
+          <a:p>
+            <a:r>
+              <a:rPr lang="en-SG" sz="3600" b="1" dirty="0">
+                <a:solidFill>
+                  <a:schemeClr val="bg1"/>
+                </a:solidFill>
+              </a:rPr>
+              <a:t>Reading C++ Documentation</a:t>
+            </a:r>
+            <a:endParaRPr lang="en-SG" sz="2000" dirty="0">
+              <a:solidFill>
+                <a:schemeClr val="bg1"/>
+              </a:solidFill>
+            </a:endParaRPr>
+          </a:p>
+          <a:p>
+            <a:r>
+              <a:rPr lang="en-SG" dirty="0">
+                <a:solidFill>
+                  <a:schemeClr val="bg1"/>
+                </a:solidFill>
+              </a:rPr>
+              <a:t>One aspect of being a competent programmer is being able to source documentation in order to understand a coding language. One great site for C++ documentation is </a:t>
+            </a:r>
+            <a:r>
+              <a:rPr lang="en-SG" dirty="0" err="1">
+                <a:solidFill>
+                  <a:schemeClr val="bg1"/>
+                </a:solidFill>
+              </a:rPr>
+              <a:t>DevDocs</a:t>
+            </a:r>
+            <a:r>
+              <a:rPr lang="en-SG" dirty="0">
+                <a:solidFill>
+                  <a:schemeClr val="bg1"/>
+                </a:solidFill>
+              </a:rPr>
+              <a:t>. </a:t>
+            </a:r>
+            <a:r>
+              <a:rPr lang="en-SG" b="1" dirty="0">
+                <a:solidFill>
+                  <a:schemeClr val="bg1"/>
+                </a:solidFill>
+              </a:rPr>
+              <a:t>Bookmark it! </a:t>
+            </a:r>
+            <a:endParaRPr lang="en-SG" sz="2000" dirty="0">
+              <a:solidFill>
+                <a:schemeClr val="bg1"/>
+              </a:solidFill>
+            </a:endParaRPr>
+          </a:p>
+        </p:txBody>
+      </p:sp>
+      <p:sp>
+        <p:nvSpPr>
+          <p:cNvPr id="7" name="TextBox 6">
+            <a:extLst>
+              <a:ext uri="{FF2B5EF4-FFF2-40B4-BE49-F238E27FC236}">
+                <a16:creationId xmlns:a16="http://schemas.microsoft.com/office/drawing/2014/main" id="{96BD70E5-83E3-C443-8B35-4455FF9ED07C}"/>
+              </a:ext>
+            </a:extLst>
+          </p:cNvPr>
+          <p:cNvSpPr txBox="1"/>
+          <p:nvPr/>
+        </p:nvSpPr>
+        <p:spPr>
+          <a:xfrm>
+            <a:off x="1395162" y="5386783"/>
+            <a:ext cx="7598935" cy="1508105"/>
+          </a:xfrm>
+          <a:prstGeom prst="rect">
+            <a:avLst/>
+          </a:prstGeom>
+          <a:noFill/>
+        </p:spPr>
+        <p:txBody>
+          <a:bodyPr wrap="square" rtlCol="0">
+            <a:spAutoFit/>
+          </a:bodyPr>
+          <a:lstStyle/>
+          <a:p>
+            <a:r>
+              <a:rPr lang="en-US" sz="4800" dirty="0">
+                <a:solidFill>
+                  <a:schemeClr val="bg1"/>
+                </a:solidFill>
+                <a:hlinkClick r:id="rId5">
+                  <a:extLst>
+                    <a:ext uri="{A12FA001-AC4F-418D-AE19-62706E023703}">
+                      <ahyp:hlinkClr xmlns:ahyp="http://schemas.microsoft.com/office/drawing/2018/hyperlinkcolor" val="tx"/>
+                    </a:ext>
+                  </a:extLst>
+                </a:hlinkClick>
+              </a:rPr>
+              <a:t>https://</a:t>
+            </a:r>
+            <a:r>
+              <a:rPr lang="en-US" sz="4800" dirty="0" err="1">
+                <a:solidFill>
+                  <a:schemeClr val="bg1"/>
+                </a:solidFill>
+                <a:hlinkClick r:id="rId5">
+                  <a:extLst>
+                    <a:ext uri="{A12FA001-AC4F-418D-AE19-62706E023703}">
+                      <ahyp:hlinkClr xmlns:ahyp="http://schemas.microsoft.com/office/drawing/2018/hyperlinkcolor" val="tx"/>
+                    </a:ext>
+                  </a:extLst>
+                </a:hlinkClick>
+              </a:rPr>
+              <a:t>devdocs.io</a:t>
+            </a:r>
+            <a:r>
+              <a:rPr lang="en-US" sz="4800" dirty="0">
+                <a:solidFill>
+                  <a:schemeClr val="bg1"/>
+                </a:solidFill>
+                <a:hlinkClick r:id="rId5">
+                  <a:extLst>
+                    <a:ext uri="{A12FA001-AC4F-418D-AE19-62706E023703}">
+                      <ahyp:hlinkClr xmlns:ahyp="http://schemas.microsoft.com/office/drawing/2018/hyperlinkcolor" val="tx"/>
+                    </a:ext>
+                  </a:extLst>
+                </a:hlinkClick>
+              </a:rPr>
+              <a:t>/cpp/</a:t>
+            </a:r>
+            <a:endParaRPr lang="en-US" sz="4800" dirty="0">
+              <a:solidFill>
+                <a:schemeClr val="bg1"/>
+              </a:solidFill>
+            </a:endParaRPr>
+          </a:p>
+          <a:p>
+            <a:endParaRPr lang="en-US" sz="4400" dirty="0">
+              <a:solidFill>
+                <a:schemeClr val="bg1"/>
+              </a:solidFill>
+            </a:endParaRPr>
+          </a:p>
+        </p:txBody>
+      </p:sp>
+      <p:sp useBgFill="1">
+        <p:nvSpPr>
+          <p:cNvPr id="9" name="TextBox 8">
+            <a:extLst>
+              <a:ext uri="{FF2B5EF4-FFF2-40B4-BE49-F238E27FC236}">
+                <a16:creationId xmlns:a16="http://schemas.microsoft.com/office/drawing/2014/main" id="{14E630B2-95DB-354C-8AF8-718DC6204ACA}"/>
+              </a:ext>
+            </a:extLst>
+          </p:cNvPr>
+          <p:cNvSpPr txBox="1"/>
+          <p:nvPr/>
+        </p:nvSpPr>
+        <p:spPr>
+          <a:xfrm>
+            <a:off x="1395163" y="4882575"/>
+            <a:ext cx="4819581" cy="646331"/>
+          </a:xfrm>
+          <a:prstGeom prst="rect">
+            <a:avLst/>
+          </a:prstGeom>
+        </p:spPr>
+        <p:txBody>
+          <a:bodyPr wrap="square" rtlCol="0">
+            <a:spAutoFit/>
+          </a:bodyPr>
+          <a:lstStyle/>
+          <a:p>
+            <a:r>
+              <a:rPr lang="en-SG" sz="3600" b="1" dirty="0" err="1">
+                <a:solidFill>
+                  <a:schemeClr val="bg1"/>
+                </a:solidFill>
+              </a:rPr>
+              <a:t>DevDocs</a:t>
+            </a:r>
+            <a:endParaRPr lang="en-SG" sz="3600" b="1" dirty="0">
+              <a:solidFill>
+                <a:schemeClr val="bg1"/>
+              </a:solidFill>
+            </a:endParaRPr>
           </a:p>
         </p:txBody>
       </p:sp>
@@ -6355,124 +8213,475 @@
           </a:p>
         </p:txBody>
       </p:sp>
-      <p:grpSp>
-        <p:nvGrpSpPr>
-          <p:cNvPr id="13" name="Group 12">
+      <p:pic>
+        <p:nvPicPr>
+          <p:cNvPr id="4" name="Picture 3" descr="A screenshot of a cell phone&#10;&#10;Description automatically generated">
             <a:extLst>
               <a:ext uri="{FF2B5EF4-FFF2-40B4-BE49-F238E27FC236}">
-                <a16:creationId xmlns:a16="http://schemas.microsoft.com/office/drawing/2014/main" id="{B43FDDAC-54AF-4E43-BFFD-2A9200D423F6}"/>
+                <a16:creationId xmlns:a16="http://schemas.microsoft.com/office/drawing/2014/main" id="{B9A156C0-7749-F544-9562-ED45308D45F7}"/>
               </a:ext>
             </a:extLst>
           </p:cNvPr>
-          <p:cNvGrpSpPr/>
+          <p:cNvPicPr>
+            <a:picLocks noChangeAspect="1"/>
+          </p:cNvPicPr>
           <p:nvPr/>
-        </p:nvGrpSpPr>
-        <p:grpSpPr>
+        </p:nvPicPr>
+        <p:blipFill rotWithShape="1">
+          <a:blip r:embed="rId6"/>
+          <a:srcRect t="1" b="57240"/>
+          <a:stretch/>
+        </p:blipFill>
+        <p:spPr>
           <a:xfrm>
-            <a:off x="3048541" y="1013147"/>
-            <a:ext cx="3808917" cy="4831705"/>
-            <a:chOff x="3048541" y="1212857"/>
-            <a:chExt cx="3808917" cy="4831705"/>
+            <a:off x="1547779" y="2950243"/>
+            <a:ext cx="6810441" cy="1686192"/>
           </a:xfrm>
-        </p:grpSpPr>
-        <p:pic>
-          <p:nvPicPr>
-            <p:cNvPr id="5" name="Picture 4" descr="A screenshot of a cell phone&#10;&#10;Description automatically generated">
-              <a:extLst>
-                <a:ext uri="{FF2B5EF4-FFF2-40B4-BE49-F238E27FC236}">
-                  <a16:creationId xmlns:a16="http://schemas.microsoft.com/office/drawing/2014/main" id="{9039B92A-5591-AE4B-B8C9-57E424AF4CF5}"/>
-                </a:ext>
-              </a:extLst>
-            </p:cNvPr>
-            <p:cNvPicPr>
-              <a:picLocks noChangeAspect="1"/>
-            </p:cNvPicPr>
-            <p:nvPr/>
-          </p:nvPicPr>
-          <p:blipFill>
-            <a:blip r:embed="rId5">
-              <a:extLst>
-                <a:ext uri="{BEBA8EAE-BF5A-486C-A8C5-ECC9F3942E4B}">
-                  <a14:imgProps xmlns:a14="http://schemas.microsoft.com/office/drawing/2010/main">
-                    <a14:imgLayer r:embed="rId6">
-                      <a14:imgEffect>
-                        <a14:saturation sat="66000"/>
-                      </a14:imgEffect>
-                    </a14:imgLayer>
-                  </a14:imgProps>
-                </a:ext>
-              </a:extLst>
-            </a:blip>
-            <a:stretch>
-              <a:fillRect/>
-            </a:stretch>
-          </p:blipFill>
-          <p:spPr>
-            <a:xfrm>
-              <a:off x="3281363" y="1212857"/>
-              <a:ext cx="3281631" cy="4073749"/>
-            </a:xfrm>
-            <a:prstGeom prst="rect">
-              <a:avLst/>
-            </a:prstGeom>
-            <a:effectLst>
-              <a:outerShdw blurRad="50800" dist="38100" dir="2700000" algn="tl" rotWithShape="0">
-                <a:prstClr val="black">
-                  <a:alpha val="40000"/>
-                </a:prstClr>
-              </a:outerShdw>
-            </a:effectLst>
-          </p:spPr>
-        </p:pic>
-        <p:sp>
-          <p:nvSpPr>
-            <p:cNvPr id="14" name="TextBox 13">
-              <a:extLst>
-                <a:ext uri="{FF2B5EF4-FFF2-40B4-BE49-F238E27FC236}">
-                  <a16:creationId xmlns:a16="http://schemas.microsoft.com/office/drawing/2014/main" id="{F94EEDCB-7978-ED45-9479-AAE3BCED678C}"/>
-                </a:ext>
-              </a:extLst>
-            </p:cNvPr>
-            <p:cNvSpPr txBox="1"/>
-            <p:nvPr/>
-          </p:nvSpPr>
-          <p:spPr>
-            <a:xfrm>
-              <a:off x="3048541" y="5582897"/>
-              <a:ext cx="3808917" cy="461665"/>
-            </a:xfrm>
-            <a:prstGeom prst="rect">
-              <a:avLst/>
-            </a:prstGeom>
-          </p:spPr>
-          <p:txBody>
-            <a:bodyPr wrap="square" rtlCol="0">
-              <a:spAutoFit/>
-            </a:bodyPr>
-            <a:lstStyle/>
-            <a:p>
-              <a:pPr algn="ctr"/>
-              <a:r>
-                <a:rPr lang="en-SG" sz="1200" i="1" dirty="0">
-                  <a:solidFill>
-                    <a:schemeClr val="bg1"/>
-                  </a:solidFill>
-                </a:rPr>
-                <a:t>An enamel pin badge to remind us that, despite what we've been taught, no one really knows all the answers.</a:t>
-              </a:r>
-              <a:endParaRPr lang="en-SG" sz="1200" b="1" dirty="0">
+          <a:prstGeom prst="rect">
+            <a:avLst/>
+          </a:prstGeom>
+          <a:ln w="25400">
+            <a:solidFill>
+              <a:schemeClr val="bg1">
+                <a:lumMod val="95000"/>
+              </a:schemeClr>
+            </a:solidFill>
+          </a:ln>
+        </p:spPr>
+      </p:pic>
+    </p:spTree>
+    <p:extLst>
+      <p:ext uri="{BB962C8B-B14F-4D97-AF65-F5344CB8AC3E}">
+        <p14:creationId xmlns:p14="http://schemas.microsoft.com/office/powerpoint/2010/main" val="1548125409"/>
+      </p:ext>
+    </p:extLst>
+  </p:cSld>
+  <p:clrMapOvr>
+    <a:masterClrMapping/>
+  </p:clrMapOvr>
+  <mc:AlternateContent xmlns:mc="http://schemas.openxmlformats.org/markup-compatibility/2006" xmlns:p14="http://schemas.microsoft.com/office/powerpoint/2010/main">
+    <mc:Choice Requires="p14">
+      <p:transition spd="med" p14:dur="700">
+        <p:fade/>
+      </p:transition>
+    </mc:Choice>
+    <mc:Fallback xmlns="">
+      <p:transition spd="med">
+        <p:fade/>
+      </p:transition>
+    </mc:Fallback>
+  </mc:AlternateContent>
+</p:sld>
+</file>
+
+<file path=ppt/slides/slide9.xml><?xml version="1.0" encoding="utf-8"?>
+<p:sld xmlns:a="http://schemas.openxmlformats.org/drawingml/2006/main" xmlns:r="http://schemas.openxmlformats.org/officeDocument/2006/relationships" xmlns:p="http://schemas.openxmlformats.org/presentationml/2006/main">
+  <p:cSld>
+    <p:spTree>
+      <p:nvGrpSpPr>
+        <p:cNvPr id="1" name=""/>
+        <p:cNvGrpSpPr/>
+        <p:nvPr/>
+      </p:nvGrpSpPr>
+      <p:grpSpPr>
+        <a:xfrm>
+          <a:off x="0" y="0"/>
+          <a:ext cx="0" cy="0"/>
+          <a:chOff x="0" y="0"/>
+          <a:chExt cx="0" cy="0"/>
+        </a:xfrm>
+      </p:grpSpPr>
+      <p:pic>
+        <p:nvPicPr>
+          <p:cNvPr id="8" name="Picture 7" descr="A picture containing table, ottoman, room&#10;&#10;Description automatically generated">
+            <a:extLst>
+              <a:ext uri="{FF2B5EF4-FFF2-40B4-BE49-F238E27FC236}">
+                <a16:creationId xmlns:a16="http://schemas.microsoft.com/office/drawing/2014/main" id="{3C1DEE67-D349-DE4C-AECF-2F351DD4EBEF}"/>
+              </a:ext>
+            </a:extLst>
+          </p:cNvPr>
+          <p:cNvPicPr>
+            <a:picLocks noChangeAspect="1"/>
+          </p:cNvPicPr>
+          <p:nvPr/>
+        </p:nvPicPr>
+        <p:blipFill>
+          <a:blip r:embed="rId3">
+            <a:extLst>
+              <a:ext uri="{BEBA8EAE-BF5A-486C-A8C5-ECC9F3942E4B}">
+                <a14:imgProps xmlns:a14="http://schemas.microsoft.com/office/drawing/2010/main">
+                  <a14:imgLayer r:embed="rId4">
+                    <a14:imgEffect>
+                      <a14:backgroundRemoval t="9714" b="90857" l="9722" r="89931">
+                        <a14:foregroundMark x1="45833" y1="9714" x2="54514" y2="10286"/>
+                        <a14:foregroundMark x1="45833" y1="90857" x2="45833" y2="90857"/>
+                      </a14:backgroundRemoval>
+                    </a14:imgEffect>
+                  </a14:imgLayer>
+                </a14:imgProps>
+              </a:ext>
+            </a:extLst>
+          </a:blip>
+          <a:stretch>
+            <a:fillRect/>
+          </a:stretch>
+        </p:blipFill>
+        <p:spPr>
+          <a:xfrm>
+            <a:off x="312225" y="354719"/>
+            <a:ext cx="1082938" cy="654276"/>
+          </a:xfrm>
+          <a:prstGeom prst="rect">
+            <a:avLst/>
+          </a:prstGeom>
+        </p:spPr>
+      </p:pic>
+      <p:sp>
+        <p:nvSpPr>
+          <p:cNvPr id="10" name="TextBox 9">
+            <a:extLst>
+              <a:ext uri="{FF2B5EF4-FFF2-40B4-BE49-F238E27FC236}">
+                <a16:creationId xmlns:a16="http://schemas.microsoft.com/office/drawing/2014/main" id="{68DA3702-0EAB-CD4B-9BEF-652F270685AC}"/>
+              </a:ext>
+            </a:extLst>
+          </p:cNvPr>
+          <p:cNvSpPr txBox="1"/>
+          <p:nvPr/>
+        </p:nvSpPr>
+        <p:spPr>
+          <a:xfrm>
+            <a:off x="1395163" y="497191"/>
+            <a:ext cx="2287806" cy="369332"/>
+          </a:xfrm>
+          <a:prstGeom prst="rect">
+            <a:avLst/>
+          </a:prstGeom>
+          <a:noFill/>
+        </p:spPr>
+        <p:txBody>
+          <a:bodyPr wrap="none" rtlCol="0">
+            <a:spAutoFit/>
+          </a:bodyPr>
+          <a:lstStyle/>
+          <a:p>
+            <a:r>
+              <a:rPr lang="en-US" b="1">
                 <a:solidFill>
                   <a:schemeClr val="bg1"/>
                 </a:solidFill>
-              </a:endParaRPr>
-            </a:p>
-          </p:txBody>
-        </p:sp>
-      </p:grpSp>
+                <a:latin typeface="Helvetica" pitchFamily="2" charset="0"/>
+              </a:rPr>
+              <a:t>Acknowledgement </a:t>
+            </a:r>
+          </a:p>
+        </p:txBody>
+      </p:sp>
+      <p:sp>
+        <p:nvSpPr>
+          <p:cNvPr id="27" name="Slide Number Placeholder 26">
+            <a:extLst>
+              <a:ext uri="{FF2B5EF4-FFF2-40B4-BE49-F238E27FC236}">
+                <a16:creationId xmlns:a16="http://schemas.microsoft.com/office/drawing/2014/main" id="{2B039515-27A6-A843-AABB-49ED21448284}"/>
+              </a:ext>
+            </a:extLst>
+          </p:cNvPr>
+          <p:cNvSpPr>
+            <a:spLocks noGrp="1"/>
+          </p:cNvSpPr>
+          <p:nvPr>
+            <p:ph type="sldNum" sz="quarter" idx="12"/>
+          </p:nvPr>
+        </p:nvSpPr>
+        <p:spPr/>
+        <p:txBody>
+          <a:bodyPr/>
+          <a:lstStyle/>
+          <a:p>
+            <a:fld id="{A711AD12-6CFD-0648-8849-664A10101BB9}" type="slidenum">
+              <a:rPr lang="en-US" smtClean="0"/>
+              <a:t>9</a:t>
+            </a:fld>
+            <a:endParaRPr lang="en-US"/>
+          </a:p>
+        </p:txBody>
+      </p:sp>
+      <p:sp useBgFill="1">
+        <p:nvSpPr>
+          <p:cNvPr id="11" name="TextBox 10">
+            <a:extLst>
+              <a:ext uri="{FF2B5EF4-FFF2-40B4-BE49-F238E27FC236}">
+                <a16:creationId xmlns:a16="http://schemas.microsoft.com/office/drawing/2014/main" id="{FA23BE89-BEB5-2143-A319-70E55C67F5F9}"/>
+              </a:ext>
+            </a:extLst>
+          </p:cNvPr>
+          <p:cNvSpPr txBox="1"/>
+          <p:nvPr/>
+        </p:nvSpPr>
+        <p:spPr>
+          <a:xfrm>
+            <a:off x="1395163" y="1323996"/>
+            <a:ext cx="6834437" cy="3847207"/>
+          </a:xfrm>
+          <a:prstGeom prst="rect">
+            <a:avLst/>
+          </a:prstGeom>
+        </p:spPr>
+        <p:txBody>
+          <a:bodyPr wrap="square" rtlCol="0">
+            <a:spAutoFit/>
+          </a:bodyPr>
+          <a:lstStyle/>
+          <a:p>
+            <a:r>
+              <a:rPr lang="en-SG" sz="1400" b="1">
+                <a:solidFill>
+                  <a:schemeClr val="bg1"/>
+                </a:solidFill>
+                <a:latin typeface="Helvetica" pitchFamily="2" charset="0"/>
+              </a:rPr>
+              <a:t>I inherit much of my material from the following:</a:t>
+            </a:r>
+          </a:p>
+          <a:p>
+            <a:endParaRPr lang="en-SG" sz="1400">
+              <a:solidFill>
+                <a:schemeClr val="bg1"/>
+              </a:solidFill>
+              <a:latin typeface="Helvetica" pitchFamily="2" charset="0"/>
+            </a:endParaRPr>
+          </a:p>
+          <a:p>
+            <a:pPr marL="342900" indent="-342900">
+              <a:buFont typeface="Arial" panose="020B0604020202020204" pitchFamily="34" charset="0"/>
+              <a:buChar char="•"/>
+            </a:pPr>
+            <a:r>
+              <a:rPr lang="en-SG" sz="1400">
+                <a:solidFill>
+                  <a:schemeClr val="bg1"/>
+                </a:solidFill>
+                <a:latin typeface="Helvetica" pitchFamily="2" charset="0"/>
+              </a:rPr>
+              <a:t>Shri Rai , ICT283 Unit Coordinator</a:t>
+            </a:r>
+          </a:p>
+          <a:p>
+            <a:endParaRPr lang="en-SG" sz="1400">
+              <a:solidFill>
+                <a:schemeClr val="bg1"/>
+              </a:solidFill>
+              <a:latin typeface="Helvetica" pitchFamily="2" charset="0"/>
+            </a:endParaRPr>
+          </a:p>
+          <a:p>
+            <a:pPr marL="342900" indent="-342900">
+              <a:buFont typeface="Arial" panose="020B0604020202020204" pitchFamily="34" charset="0"/>
+              <a:buChar char="•"/>
+            </a:pPr>
+            <a:r>
+              <a:rPr lang="en-SG" sz="1400">
+                <a:solidFill>
+                  <a:schemeClr val="bg1"/>
+                </a:solidFill>
+                <a:latin typeface="Helvetica" pitchFamily="2" charset="0"/>
+              </a:rPr>
+              <a:t>Reina Mendoza , former PASS leader</a:t>
+            </a:r>
+          </a:p>
+          <a:p>
+            <a:endParaRPr lang="en-SG" sz="1400">
+              <a:solidFill>
+                <a:schemeClr val="bg1"/>
+              </a:solidFill>
+              <a:latin typeface="Helvetica" pitchFamily="2" charset="0"/>
+            </a:endParaRPr>
+          </a:p>
+          <a:p>
+            <a:pPr marL="342900" indent="-342900">
+              <a:buFont typeface="Arial" panose="020B0604020202020204" pitchFamily="34" charset="0"/>
+              <a:buChar char="•"/>
+            </a:pPr>
+            <a:r>
+              <a:rPr lang="en-SG" sz="1400">
+                <a:solidFill>
+                  <a:schemeClr val="bg1"/>
+                </a:solidFill>
+                <a:latin typeface="Helvetica" pitchFamily="2" charset="0"/>
+              </a:rPr>
+              <a:t>Abdul Bari , Educator , Mastering Data Structures and Algorithms using C and C++ (Udemy)</a:t>
+            </a:r>
+          </a:p>
+          <a:p>
+            <a:pPr marL="342900" indent="-342900">
+              <a:buFont typeface="Arial" panose="020B0604020202020204" pitchFamily="34" charset="0"/>
+              <a:buChar char="•"/>
+            </a:pPr>
+            <a:endParaRPr lang="en-SG" sz="1400">
+              <a:solidFill>
+                <a:schemeClr val="bg1"/>
+              </a:solidFill>
+              <a:latin typeface="Helvetica" pitchFamily="2" charset="0"/>
+            </a:endParaRPr>
+          </a:p>
+          <a:p>
+            <a:pPr marL="342900" indent="-342900">
+              <a:buFont typeface="Arial" panose="020B0604020202020204" pitchFamily="34" charset="0"/>
+              <a:buChar char="•"/>
+            </a:pPr>
+            <a:r>
+              <a:rPr lang="en-SG" sz="1400">
+                <a:solidFill>
+                  <a:schemeClr val="bg1"/>
+                </a:solidFill>
+                <a:latin typeface="Helvetica" pitchFamily="2" charset="0"/>
+              </a:rPr>
+              <a:t>Abdul Bari, Educator , Learn C++ Programming (Udemy)</a:t>
+            </a:r>
+          </a:p>
+          <a:p>
+            <a:pPr marL="342900" indent="-342900">
+              <a:buFont typeface="Arial" panose="020B0604020202020204" pitchFamily="34" charset="0"/>
+              <a:buChar char="•"/>
+            </a:pPr>
+            <a:endParaRPr lang="en-SG" sz="1400">
+              <a:solidFill>
+                <a:schemeClr val="bg1"/>
+              </a:solidFill>
+              <a:latin typeface="Helvetica" pitchFamily="2" charset="0"/>
+            </a:endParaRPr>
+          </a:p>
+          <a:p>
+            <a:pPr marL="342900" indent="-342900">
+              <a:buFont typeface="Arial" panose="020B0604020202020204" pitchFamily="34" charset="0"/>
+              <a:buChar char="•"/>
+            </a:pPr>
+            <a:r>
+              <a:rPr lang="en-SG" sz="1400">
+                <a:solidFill>
+                  <a:schemeClr val="bg1"/>
+                </a:solidFill>
+                <a:latin typeface="Helvetica" pitchFamily="2" charset="0"/>
+              </a:rPr>
+              <a:t>Kurt Anderson, Educator , Computer Science 101 (Udemy)</a:t>
+            </a:r>
+          </a:p>
+          <a:p>
+            <a:pPr marL="342900" indent="-342900">
+              <a:buFont typeface="Arial" panose="020B0604020202020204" pitchFamily="34" charset="0"/>
+              <a:buChar char="•"/>
+            </a:pPr>
+            <a:endParaRPr lang="en-SG" sz="1400">
+              <a:solidFill>
+                <a:schemeClr val="bg1"/>
+              </a:solidFill>
+              <a:latin typeface="Helvetica" pitchFamily="2" charset="0"/>
+            </a:endParaRPr>
+          </a:p>
+          <a:p>
+            <a:pPr marL="342900" indent="-342900">
+              <a:buFont typeface="Arial" panose="020B0604020202020204" pitchFamily="34" charset="0"/>
+              <a:buChar char="•"/>
+            </a:pPr>
+            <a:r>
+              <a:rPr lang="en-SG" sz="1400">
+                <a:solidFill>
+                  <a:schemeClr val="bg1"/>
+                </a:solidFill>
+                <a:latin typeface="Helvetica" pitchFamily="2" charset="0"/>
+              </a:rPr>
+              <a:t>Bucky Roberts (YouTube)</a:t>
+            </a:r>
+          </a:p>
+          <a:p>
+            <a:pPr marL="342900" indent="-342900">
+              <a:buFont typeface="Arial" panose="020B0604020202020204" pitchFamily="34" charset="0"/>
+              <a:buChar char="•"/>
+            </a:pPr>
+            <a:endParaRPr lang="en-SG" sz="1400">
+              <a:solidFill>
+                <a:schemeClr val="bg1"/>
+              </a:solidFill>
+              <a:latin typeface="Helvetica" pitchFamily="2" charset="0"/>
+            </a:endParaRPr>
+          </a:p>
+          <a:p>
+            <a:pPr marL="342900" indent="-342900">
+              <a:buFont typeface="Arial" panose="020B0604020202020204" pitchFamily="34" charset="0"/>
+              <a:buChar char="•"/>
+            </a:pPr>
+            <a:r>
+              <a:rPr lang="en-SG" sz="1400">
+                <a:solidFill>
+                  <a:schemeClr val="bg1"/>
+                </a:solidFill>
+                <a:latin typeface="Helvetica" pitchFamily="2" charset="0"/>
+              </a:rPr>
+              <a:t>The </a:t>
+            </a:r>
+            <a:r>
+              <a:rPr lang="en-SG" sz="1400" err="1">
+                <a:solidFill>
+                  <a:schemeClr val="bg1"/>
+                </a:solidFill>
+                <a:latin typeface="Helvetica" pitchFamily="2" charset="0"/>
+              </a:rPr>
+              <a:t>Cherno</a:t>
+            </a:r>
+            <a:r>
+              <a:rPr lang="en-SG" sz="1400">
+                <a:solidFill>
+                  <a:schemeClr val="bg1"/>
+                </a:solidFill>
+                <a:latin typeface="Helvetica" pitchFamily="2" charset="0"/>
+              </a:rPr>
+              <a:t> (YouTube)</a:t>
+            </a:r>
+          </a:p>
+          <a:p>
+            <a:pPr marL="342900" indent="-342900">
+              <a:buFont typeface="Arial" panose="020B0604020202020204" pitchFamily="34" charset="0"/>
+              <a:buChar char="•"/>
+            </a:pPr>
+            <a:endParaRPr lang="en-SG" sz="2000">
+              <a:solidFill>
+                <a:schemeClr val="bg1"/>
+              </a:solidFill>
+            </a:endParaRPr>
+          </a:p>
+        </p:txBody>
+      </p:sp>
+      <p:sp>
+        <p:nvSpPr>
+          <p:cNvPr id="2" name="Footer Placeholder 1">
+            <a:extLst>
+              <a:ext uri="{FF2B5EF4-FFF2-40B4-BE49-F238E27FC236}">
+                <a16:creationId xmlns:a16="http://schemas.microsoft.com/office/drawing/2014/main" id="{662F6F7E-0DB4-D047-83B8-61AC474927F5}"/>
+              </a:ext>
+            </a:extLst>
+          </p:cNvPr>
+          <p:cNvSpPr>
+            <a:spLocks noGrp="1"/>
+          </p:cNvSpPr>
+          <p:nvPr>
+            <p:ph type="ftr" sz="quarter" idx="11"/>
+          </p:nvPr>
+        </p:nvSpPr>
+        <p:spPr/>
+        <p:txBody>
+          <a:bodyPr/>
+          <a:lstStyle/>
+          <a:p>
+            <a:r>
+              <a:rPr lang="en-US"/>
+              <a:t>Copyright © 2020 Glenn Lum. All rights reserved.</a:t>
+            </a:r>
+          </a:p>
+        </p:txBody>
+      </p:sp>
     </p:spTree>
     <p:extLst>
       <p:ext uri="{BB962C8B-B14F-4D97-AF65-F5344CB8AC3E}">
-        <p14:creationId xmlns:p14="http://schemas.microsoft.com/office/powerpoint/2010/main" val="4028074283"/>
+        <p14:creationId xmlns:p14="http://schemas.microsoft.com/office/powerpoint/2010/main" val="3458663365"/>
       </p:ext>
     </p:extLst>
   </p:cSld>
